--- a/swenao24/Day1_MLMethods.pptx
+++ b/swenao24/Day1_MLMethods.pptx
@@ -5,15 +5,23 @@
     <p:sldMasterId id="2147483648" r:id="rId1"/>
   </p:sldMasterIdLst>
   <p:notesMasterIdLst>
-    <p:notesMasterId r:id="rId8"/>
+    <p:notesMasterId r:id="rId16"/>
   </p:notesMasterIdLst>
   <p:sldIdLst>
     <p:sldId id="256" r:id="rId2"/>
     <p:sldId id="686" r:id="rId3"/>
     <p:sldId id="687" r:id="rId4"/>
     <p:sldId id="257" r:id="rId5"/>
-    <p:sldId id="689" r:id="rId6"/>
-    <p:sldId id="688" r:id="rId7"/>
+    <p:sldId id="690" r:id="rId6"/>
+    <p:sldId id="689" r:id="rId7"/>
+    <p:sldId id="691" r:id="rId8"/>
+    <p:sldId id="688" r:id="rId9"/>
+    <p:sldId id="692" r:id="rId10"/>
+    <p:sldId id="693" r:id="rId11"/>
+    <p:sldId id="694" r:id="rId12"/>
+    <p:sldId id="695" r:id="rId13"/>
+    <p:sldId id="696" r:id="rId14"/>
+    <p:sldId id="697" r:id="rId15"/>
   </p:sldIdLst>
   <p:sldSz cx="12192000" cy="6858000"/>
   <p:notesSz cx="6858000" cy="9144000"/>
@@ -202,7 +210,7 @@
           <a:p>
             <a:fld id="{08FCC6D9-F5BC-DB40-A386-37FFB4F36C2F}" type="datetimeFigureOut">
               <a:rPr lang="en-GB" smtClean="0"/>
-              <a:t>17/05/2024</a:t>
+              <a:t>20/05/2024</a:t>
             </a:fld>
             <a:endParaRPr lang="en-GB"/>
           </a:p>
@@ -621,7 +629,7 @@
           <a:p>
             <a:fld id="{E5B196C3-E991-4711-A7AD-F6FA881A10DB}" type="slidenum">
               <a:rPr lang="sv-SE" smtClean="0"/>
-              <a:t>5</a:t>
+              <a:t>6</a:t>
             </a:fld>
             <a:endParaRPr lang="sv-SE"/>
           </a:p>
@@ -787,7 +795,7 @@
           <a:p>
             <a:fld id="{E8FBFA8B-9520-284C-935C-A01B8692B95F}" type="datetime1">
               <a:rPr lang="en-US" smtClean="0"/>
-              <a:t>5/17/24</a:t>
+              <a:t>5/20/24</a:t>
             </a:fld>
             <a:endParaRPr lang="en-GB"/>
           </a:p>
@@ -985,7 +993,7 @@
           <a:p>
             <a:fld id="{5AC2865C-B7CA-AD43-9CE9-E076B3C3D7E4}" type="datetime1">
               <a:rPr lang="en-US" smtClean="0"/>
-              <a:t>5/17/24</a:t>
+              <a:t>5/20/24</a:t>
             </a:fld>
             <a:endParaRPr lang="en-GB"/>
           </a:p>
@@ -1193,7 +1201,7 @@
           <a:p>
             <a:fld id="{6E4C5E75-FC01-D543-8718-1C5CBC31A0D1}" type="datetime1">
               <a:rPr lang="en-US" smtClean="0"/>
-              <a:t>5/17/24</a:t>
+              <a:t>5/20/24</a:t>
             </a:fld>
             <a:endParaRPr lang="en-GB"/>
           </a:p>
@@ -1677,7 +1685,7 @@
           <a:p>
             <a:fld id="{09C2894A-47FF-4D4A-84EA-3327DF49E5B5}" type="datetime1">
               <a:rPr lang="en-US" smtClean="0"/>
-              <a:t>5/17/24</a:t>
+              <a:t>5/20/24</a:t>
             </a:fld>
             <a:endParaRPr lang="en-GB"/>
           </a:p>
@@ -1952,7 +1960,7 @@
           <a:p>
             <a:fld id="{27E4245C-27E5-B24C-A68F-CB18641CB224}" type="datetime1">
               <a:rPr lang="en-US" smtClean="0"/>
-              <a:t>5/17/24</a:t>
+              <a:t>5/20/24</a:t>
             </a:fld>
             <a:endParaRPr lang="en-GB"/>
           </a:p>
@@ -2217,7 +2225,7 @@
           <a:p>
             <a:fld id="{0555F88C-8D3A-4C4D-B729-C4D39CB81BE3}" type="datetime1">
               <a:rPr lang="en-US" smtClean="0"/>
-              <a:t>5/17/24</a:t>
+              <a:t>5/20/24</a:t>
             </a:fld>
             <a:endParaRPr lang="en-GB"/>
           </a:p>
@@ -2629,7 +2637,7 @@
           <a:p>
             <a:fld id="{6A376F16-4F93-4C47-B546-4801F8504881}" type="datetime1">
               <a:rPr lang="en-US" smtClean="0"/>
-              <a:t>5/17/24</a:t>
+              <a:t>5/20/24</a:t>
             </a:fld>
             <a:endParaRPr lang="en-GB"/>
           </a:p>
@@ -2770,7 +2778,7 @@
           <a:p>
             <a:fld id="{41BD5303-6830-DE4E-8CD5-E827371A3093}" type="datetime1">
               <a:rPr lang="en-US" smtClean="0"/>
-              <a:t>5/17/24</a:t>
+              <a:t>5/20/24</a:t>
             </a:fld>
             <a:endParaRPr lang="en-GB"/>
           </a:p>
@@ -2883,7 +2891,7 @@
           <a:p>
             <a:fld id="{B9C4F2B6-0660-3C49-82D0-A393E5960A40}" type="datetime1">
               <a:rPr lang="en-US" smtClean="0"/>
-              <a:t>5/17/24</a:t>
+              <a:t>5/20/24</a:t>
             </a:fld>
             <a:endParaRPr lang="en-GB"/>
           </a:p>
@@ -3194,7 +3202,7 @@
           <a:p>
             <a:fld id="{7C0D9B00-9A08-1943-AA18-0C941042686B}" type="datetime1">
               <a:rPr lang="en-US" smtClean="0"/>
-              <a:t>5/17/24</a:t>
+              <a:t>5/20/24</a:t>
             </a:fld>
             <a:endParaRPr lang="en-GB"/>
           </a:p>
@@ -3482,7 +3490,7 @@
           <a:p>
             <a:fld id="{6AED7CCC-857C-EE47-B763-E3207B989084}" type="datetime1">
               <a:rPr lang="en-US" smtClean="0"/>
-              <a:t>5/17/24</a:t>
+              <a:t>5/20/24</a:t>
             </a:fld>
             <a:endParaRPr lang="en-GB"/>
           </a:p>
@@ -3723,7 +3731,7 @@
           <a:p>
             <a:fld id="{62A83312-0809-5A4C-B136-6DC1D2F343AA}" type="datetime1">
               <a:rPr lang="en-US" smtClean="0"/>
-              <a:t>5/17/24</a:t>
+              <a:t>5/20/24</a:t>
             </a:fld>
             <a:endParaRPr lang="en-GB"/>
           </a:p>
@@ -4259,7 +4267,7 @@
           <a:p>
             <a:fld id="{9AB4DF40-2964-4643-97AE-0FFD417190BD}" type="datetime1">
               <a:rPr lang="en-US" sz="2400" smtClean="0"/>
-              <a:t>5/17/24</a:t>
+              <a:t>5/20/24</a:t>
             </a:fld>
             <a:endParaRPr lang="en-GB" sz="2400"/>
           </a:p>
@@ -4298,6 +4306,1043 @@
     <p:extLst>
       <p:ext uri="{BB962C8B-B14F-4D97-AF65-F5344CB8AC3E}">
         <p14:creationId xmlns:p14="http://schemas.microsoft.com/office/powerpoint/2010/main" val="3213261536"/>
+      </p:ext>
+    </p:extLst>
+  </p:cSld>
+  <p:clrMapOvr>
+    <a:masterClrMapping/>
+  </p:clrMapOvr>
+</p:sld>
+</file>
+
+<file path=ppt/slides/slide10.xml><?xml version="1.0" encoding="utf-8"?>
+<p:sld xmlns:a="http://schemas.openxmlformats.org/drawingml/2006/main" xmlns:r="http://schemas.openxmlformats.org/officeDocument/2006/relationships" xmlns:p="http://schemas.openxmlformats.org/presentationml/2006/main">
+  <p:cSld>
+    <p:spTree>
+      <p:nvGrpSpPr>
+        <p:cNvPr id="1" name=""/>
+        <p:cNvGrpSpPr/>
+        <p:nvPr/>
+      </p:nvGrpSpPr>
+      <p:grpSpPr>
+        <a:xfrm>
+          <a:off x="0" y="0"/>
+          <a:ext cx="0" cy="0"/>
+          <a:chOff x="0" y="0"/>
+          <a:chExt cx="0" cy="0"/>
+        </a:xfrm>
+      </p:grpSpPr>
+      <p:sp>
+        <p:nvSpPr>
+          <p:cNvPr id="4" name="Date Placeholder 3">
+            <a:extLst>
+              <a:ext uri="{FF2B5EF4-FFF2-40B4-BE49-F238E27FC236}">
+                <a16:creationId xmlns:a16="http://schemas.microsoft.com/office/drawing/2014/main" id="{DF5948A6-04C7-8A88-7E73-7BE5603DD230}"/>
+              </a:ext>
+            </a:extLst>
+          </p:cNvPr>
+          <p:cNvSpPr>
+            <a:spLocks noGrp="1"/>
+          </p:cNvSpPr>
+          <p:nvPr>
+            <p:ph type="dt" sz="half" idx="10"/>
+          </p:nvPr>
+        </p:nvSpPr>
+        <p:spPr/>
+        <p:txBody>
+          <a:bodyPr/>
+          <a:lstStyle/>
+          <a:p>
+            <a:fld id="{09C2894A-47FF-4D4A-84EA-3327DF49E5B5}" type="datetime1">
+              <a:rPr lang="en-US" smtClean="0"/>
+              <a:t>5/20/24</a:t>
+            </a:fld>
+            <a:endParaRPr lang="en-GB"/>
+          </a:p>
+        </p:txBody>
+      </p:sp>
+      <p:sp>
+        <p:nvSpPr>
+          <p:cNvPr id="5" name="Slide Number Placeholder 4">
+            <a:extLst>
+              <a:ext uri="{FF2B5EF4-FFF2-40B4-BE49-F238E27FC236}">
+                <a16:creationId xmlns:a16="http://schemas.microsoft.com/office/drawing/2014/main" id="{ADE6477C-9D6C-EE1A-8BDE-221FA3006A5D}"/>
+              </a:ext>
+            </a:extLst>
+          </p:cNvPr>
+          <p:cNvSpPr>
+            <a:spLocks noGrp="1"/>
+          </p:cNvSpPr>
+          <p:nvPr>
+            <p:ph type="sldNum" sz="quarter" idx="12"/>
+          </p:nvPr>
+        </p:nvSpPr>
+        <p:spPr/>
+        <p:txBody>
+          <a:bodyPr/>
+          <a:lstStyle/>
+          <a:p>
+            <a:fld id="{6FD98A76-ED6B-D54E-BABE-E8A9BFC6A4C6}" type="slidenum">
+              <a:rPr lang="en-GB" smtClean="0"/>
+              <a:t>10</a:t>
+            </a:fld>
+            <a:endParaRPr lang="en-GB"/>
+          </a:p>
+        </p:txBody>
+      </p:sp>
+      <p:pic>
+        <p:nvPicPr>
+          <p:cNvPr id="6" name="Picture 5">
+            <a:extLst>
+              <a:ext uri="{FF2B5EF4-FFF2-40B4-BE49-F238E27FC236}">
+                <a16:creationId xmlns:a16="http://schemas.microsoft.com/office/drawing/2014/main" id="{757234F0-4BF4-9472-169B-567BCCDC626E}"/>
+              </a:ext>
+            </a:extLst>
+          </p:cNvPr>
+          <p:cNvPicPr>
+            <a:picLocks noChangeAspect="1"/>
+          </p:cNvPicPr>
+          <p:nvPr/>
+        </p:nvPicPr>
+        <p:blipFill rotWithShape="1">
+          <a:blip r:embed="rId2"/>
+          <a:srcRect l="11775" t="7633" r="12442"/>
+          <a:stretch/>
+        </p:blipFill>
+        <p:spPr>
+          <a:xfrm>
+            <a:off x="391886" y="921218"/>
+            <a:ext cx="7018488" cy="4429496"/>
+          </a:xfrm>
+          <a:prstGeom prst="rect">
+            <a:avLst/>
+          </a:prstGeom>
+        </p:spPr>
+      </p:pic>
+    </p:spTree>
+    <p:extLst>
+      <p:ext uri="{BB962C8B-B14F-4D97-AF65-F5344CB8AC3E}">
+        <p14:creationId xmlns:p14="http://schemas.microsoft.com/office/powerpoint/2010/main" val="2651797346"/>
+      </p:ext>
+    </p:extLst>
+  </p:cSld>
+  <p:clrMapOvr>
+    <a:masterClrMapping/>
+  </p:clrMapOvr>
+</p:sld>
+</file>
+
+<file path=ppt/slides/slide11.xml><?xml version="1.0" encoding="utf-8"?>
+<p:sld xmlns:a="http://schemas.openxmlformats.org/drawingml/2006/main" xmlns:r="http://schemas.openxmlformats.org/officeDocument/2006/relationships" xmlns:p="http://schemas.openxmlformats.org/presentationml/2006/main">
+  <p:cSld>
+    <p:spTree>
+      <p:nvGrpSpPr>
+        <p:cNvPr id="1" name=""/>
+        <p:cNvGrpSpPr/>
+        <p:nvPr/>
+      </p:nvGrpSpPr>
+      <p:grpSpPr>
+        <a:xfrm>
+          <a:off x="0" y="0"/>
+          <a:ext cx="0" cy="0"/>
+          <a:chOff x="0" y="0"/>
+          <a:chExt cx="0" cy="0"/>
+        </a:xfrm>
+      </p:grpSpPr>
+      <p:sp>
+        <p:nvSpPr>
+          <p:cNvPr id="4" name="Date Placeholder 3">
+            <a:extLst>
+              <a:ext uri="{FF2B5EF4-FFF2-40B4-BE49-F238E27FC236}">
+                <a16:creationId xmlns:a16="http://schemas.microsoft.com/office/drawing/2014/main" id="{92A45018-1596-77FC-60B1-76D89CB1E96C}"/>
+              </a:ext>
+            </a:extLst>
+          </p:cNvPr>
+          <p:cNvSpPr>
+            <a:spLocks noGrp="1"/>
+          </p:cNvSpPr>
+          <p:nvPr>
+            <p:ph type="dt" sz="half" idx="10"/>
+          </p:nvPr>
+        </p:nvSpPr>
+        <p:spPr/>
+        <p:txBody>
+          <a:bodyPr/>
+          <a:lstStyle/>
+          <a:p>
+            <a:fld id="{09C2894A-47FF-4D4A-84EA-3327DF49E5B5}" type="datetime1">
+              <a:rPr lang="en-US" sz="2400" smtClean="0"/>
+              <a:t>5/20/24</a:t>
+            </a:fld>
+            <a:endParaRPr lang="en-GB" sz="2400"/>
+          </a:p>
+        </p:txBody>
+      </p:sp>
+      <p:sp>
+        <p:nvSpPr>
+          <p:cNvPr id="5" name="Slide Number Placeholder 4">
+            <a:extLst>
+              <a:ext uri="{FF2B5EF4-FFF2-40B4-BE49-F238E27FC236}">
+                <a16:creationId xmlns:a16="http://schemas.microsoft.com/office/drawing/2014/main" id="{2103CC7C-91ED-326C-25F2-E85DB5F3BD71}"/>
+              </a:ext>
+            </a:extLst>
+          </p:cNvPr>
+          <p:cNvSpPr>
+            <a:spLocks noGrp="1"/>
+          </p:cNvSpPr>
+          <p:nvPr>
+            <p:ph type="sldNum" sz="quarter" idx="12"/>
+          </p:nvPr>
+        </p:nvSpPr>
+        <p:spPr/>
+        <p:txBody>
+          <a:bodyPr/>
+          <a:lstStyle/>
+          <a:p>
+            <a:fld id="{6FD98A76-ED6B-D54E-BABE-E8A9BFC6A4C6}" type="slidenum">
+              <a:rPr lang="en-GB" sz="2400" smtClean="0"/>
+              <a:t>11</a:t>
+            </a:fld>
+            <a:endParaRPr lang="en-GB" sz="2400"/>
+          </a:p>
+        </p:txBody>
+      </p:sp>
+      <p:sp>
+        <p:nvSpPr>
+          <p:cNvPr id="11" name="TextBox 10">
+            <a:extLst>
+              <a:ext uri="{FF2B5EF4-FFF2-40B4-BE49-F238E27FC236}">
+                <a16:creationId xmlns:a16="http://schemas.microsoft.com/office/drawing/2014/main" id="{6B21679B-EBE9-D617-8A1F-93F7E6F86A1E}"/>
+              </a:ext>
+            </a:extLst>
+          </p:cNvPr>
+          <p:cNvSpPr txBox="1"/>
+          <p:nvPr/>
+        </p:nvSpPr>
+        <p:spPr>
+          <a:xfrm>
+            <a:off x="554620" y="329187"/>
+            <a:ext cx="9677400" cy="6027163"/>
+          </a:xfrm>
+          <a:prstGeom prst="rect">
+            <a:avLst/>
+          </a:prstGeom>
+          <a:noFill/>
+        </p:spPr>
+        <p:txBody>
+          <a:bodyPr wrap="square">
+            <a:spAutoFit/>
+          </a:bodyPr>
+          <a:lstStyle/>
+          <a:p>
+            <a:pPr>
+              <a:lnSpc>
+                <a:spcPct val="150000"/>
+              </a:lnSpc>
+            </a:pPr>
+            <a:r>
+              <a:rPr lang="en-GB" sz="3600" b="1" dirty="0"/>
+              <a:t>Monday May 20, 2024, 8.00–12.00 </a:t>
+            </a:r>
+          </a:p>
+          <a:p>
+            <a:pPr>
+              <a:lnSpc>
+                <a:spcPct val="150000"/>
+              </a:lnSpc>
+            </a:pPr>
+            <a:r>
+              <a:rPr lang="en-GB" sz="2800" dirty="0">
+                <a:solidFill>
+                  <a:srgbClr val="FF0000"/>
+                </a:solidFill>
+              </a:rPr>
+              <a:t>08.00 - 08.50 Live Demo: Empirical Risk Minimization </a:t>
+            </a:r>
+          </a:p>
+          <a:p>
+            <a:pPr>
+              <a:lnSpc>
+                <a:spcPct val="150000"/>
+              </a:lnSpc>
+            </a:pPr>
+            <a:r>
+              <a:rPr lang="en-GB" sz="2800" dirty="0"/>
+              <a:t>08.50 - 09.00 Break</a:t>
+            </a:r>
+          </a:p>
+          <a:p>
+            <a:pPr>
+              <a:lnSpc>
+                <a:spcPct val="150000"/>
+              </a:lnSpc>
+            </a:pPr>
+            <a:r>
+              <a:rPr lang="en-GB" sz="2800" dirty="0"/>
+              <a:t>09.00 - 09.50 Loss Functions for Linear Model</a:t>
+            </a:r>
+          </a:p>
+          <a:p>
+            <a:pPr>
+              <a:lnSpc>
+                <a:spcPct val="150000"/>
+              </a:lnSpc>
+            </a:pPr>
+            <a:r>
+              <a:rPr lang="en-GB" sz="2800" dirty="0"/>
+              <a:t>09.50 - 10.00 Break</a:t>
+            </a:r>
+          </a:p>
+          <a:p>
+            <a:pPr>
+              <a:lnSpc>
+                <a:spcPct val="150000"/>
+              </a:lnSpc>
+            </a:pPr>
+            <a:r>
+              <a:rPr lang="en-GB" sz="2800" dirty="0"/>
+              <a:t>10.00 - 10.50 Reading in Data: FMI Weather Data, </a:t>
+            </a:r>
+            <a:r>
+              <a:rPr lang="en-GB" sz="2800" dirty="0" err="1"/>
+              <a:t>Wikidata</a:t>
+            </a:r>
+            <a:r>
+              <a:rPr lang="en-GB" sz="2800" dirty="0"/>
+              <a:t> </a:t>
+            </a:r>
+          </a:p>
+          <a:p>
+            <a:pPr>
+              <a:lnSpc>
+                <a:spcPct val="150000"/>
+              </a:lnSpc>
+            </a:pPr>
+            <a:r>
+              <a:rPr lang="en-GB" sz="2800" dirty="0"/>
+              <a:t>10.50 - 11.00 Break</a:t>
+            </a:r>
+          </a:p>
+          <a:p>
+            <a:pPr>
+              <a:lnSpc>
+                <a:spcPct val="150000"/>
+              </a:lnSpc>
+            </a:pPr>
+            <a:r>
+              <a:rPr lang="en-GB" sz="2800" dirty="0"/>
+              <a:t>11.00 - 11.50 Demo: Model Diagnosis and Selection</a:t>
+            </a:r>
+          </a:p>
+          <a:p>
+            <a:pPr>
+              <a:lnSpc>
+                <a:spcPct val="150000"/>
+              </a:lnSpc>
+            </a:pPr>
+            <a:r>
+              <a:rPr lang="en-GB" sz="2800" dirty="0"/>
+              <a:t>11.50 – 12.00 Wrap Up </a:t>
+            </a:r>
+          </a:p>
+        </p:txBody>
+      </p:sp>
+    </p:spTree>
+    <p:extLst>
+      <p:ext uri="{BB962C8B-B14F-4D97-AF65-F5344CB8AC3E}">
+        <p14:creationId xmlns:p14="http://schemas.microsoft.com/office/powerpoint/2010/main" val="708590135"/>
+      </p:ext>
+    </p:extLst>
+  </p:cSld>
+  <p:clrMapOvr>
+    <a:masterClrMapping/>
+  </p:clrMapOvr>
+</p:sld>
+</file>
+
+<file path=ppt/slides/slide12.xml><?xml version="1.0" encoding="utf-8"?>
+<p:sld xmlns:a="http://schemas.openxmlformats.org/drawingml/2006/main" xmlns:r="http://schemas.openxmlformats.org/officeDocument/2006/relationships" xmlns:p="http://schemas.openxmlformats.org/presentationml/2006/main">
+  <p:cSld>
+    <p:spTree>
+      <p:nvGrpSpPr>
+        <p:cNvPr id="1" name=""/>
+        <p:cNvGrpSpPr/>
+        <p:nvPr/>
+      </p:nvGrpSpPr>
+      <p:grpSpPr>
+        <a:xfrm>
+          <a:off x="0" y="0"/>
+          <a:ext cx="0" cy="0"/>
+          <a:chOff x="0" y="0"/>
+          <a:chExt cx="0" cy="0"/>
+        </a:xfrm>
+      </p:grpSpPr>
+      <p:sp>
+        <p:nvSpPr>
+          <p:cNvPr id="4" name="Date Placeholder 3">
+            <a:extLst>
+              <a:ext uri="{FF2B5EF4-FFF2-40B4-BE49-F238E27FC236}">
+                <a16:creationId xmlns:a16="http://schemas.microsoft.com/office/drawing/2014/main" id="{92A45018-1596-77FC-60B1-76D89CB1E96C}"/>
+              </a:ext>
+            </a:extLst>
+          </p:cNvPr>
+          <p:cNvSpPr>
+            <a:spLocks noGrp="1"/>
+          </p:cNvSpPr>
+          <p:nvPr>
+            <p:ph type="dt" sz="half" idx="10"/>
+          </p:nvPr>
+        </p:nvSpPr>
+        <p:spPr/>
+        <p:txBody>
+          <a:bodyPr/>
+          <a:lstStyle/>
+          <a:p>
+            <a:fld id="{09C2894A-47FF-4D4A-84EA-3327DF49E5B5}" type="datetime1">
+              <a:rPr lang="en-US" sz="2400" smtClean="0"/>
+              <a:t>5/20/24</a:t>
+            </a:fld>
+            <a:endParaRPr lang="en-GB" sz="2400"/>
+          </a:p>
+        </p:txBody>
+      </p:sp>
+      <p:sp>
+        <p:nvSpPr>
+          <p:cNvPr id="5" name="Slide Number Placeholder 4">
+            <a:extLst>
+              <a:ext uri="{FF2B5EF4-FFF2-40B4-BE49-F238E27FC236}">
+                <a16:creationId xmlns:a16="http://schemas.microsoft.com/office/drawing/2014/main" id="{2103CC7C-91ED-326C-25F2-E85DB5F3BD71}"/>
+              </a:ext>
+            </a:extLst>
+          </p:cNvPr>
+          <p:cNvSpPr>
+            <a:spLocks noGrp="1"/>
+          </p:cNvSpPr>
+          <p:nvPr>
+            <p:ph type="sldNum" sz="quarter" idx="12"/>
+          </p:nvPr>
+        </p:nvSpPr>
+        <p:spPr/>
+        <p:txBody>
+          <a:bodyPr/>
+          <a:lstStyle/>
+          <a:p>
+            <a:fld id="{6FD98A76-ED6B-D54E-BABE-E8A9BFC6A4C6}" type="slidenum">
+              <a:rPr lang="en-GB" sz="2400" smtClean="0"/>
+              <a:t>12</a:t>
+            </a:fld>
+            <a:endParaRPr lang="en-GB" sz="2400"/>
+          </a:p>
+        </p:txBody>
+      </p:sp>
+      <p:sp>
+        <p:nvSpPr>
+          <p:cNvPr id="11" name="TextBox 10">
+            <a:extLst>
+              <a:ext uri="{FF2B5EF4-FFF2-40B4-BE49-F238E27FC236}">
+                <a16:creationId xmlns:a16="http://schemas.microsoft.com/office/drawing/2014/main" id="{6B21679B-EBE9-D617-8A1F-93F7E6F86A1E}"/>
+              </a:ext>
+            </a:extLst>
+          </p:cNvPr>
+          <p:cNvSpPr txBox="1"/>
+          <p:nvPr/>
+        </p:nvSpPr>
+        <p:spPr>
+          <a:xfrm>
+            <a:off x="554620" y="329187"/>
+            <a:ext cx="9677400" cy="6027163"/>
+          </a:xfrm>
+          <a:prstGeom prst="rect">
+            <a:avLst/>
+          </a:prstGeom>
+          <a:noFill/>
+        </p:spPr>
+        <p:txBody>
+          <a:bodyPr wrap="square">
+            <a:spAutoFit/>
+          </a:bodyPr>
+          <a:lstStyle/>
+          <a:p>
+            <a:pPr>
+              <a:lnSpc>
+                <a:spcPct val="150000"/>
+              </a:lnSpc>
+            </a:pPr>
+            <a:r>
+              <a:rPr lang="en-GB" sz="3600" b="1" dirty="0"/>
+              <a:t>Monday May 20, 2024, 8.00–12.00 </a:t>
+            </a:r>
+          </a:p>
+          <a:p>
+            <a:pPr>
+              <a:lnSpc>
+                <a:spcPct val="150000"/>
+              </a:lnSpc>
+            </a:pPr>
+            <a:r>
+              <a:rPr lang="en-GB" sz="2800" dirty="0"/>
+              <a:t>08.00 - 08.50 Live Demo: Empirical Risk Minimization </a:t>
+            </a:r>
+          </a:p>
+          <a:p>
+            <a:pPr>
+              <a:lnSpc>
+                <a:spcPct val="150000"/>
+              </a:lnSpc>
+            </a:pPr>
+            <a:r>
+              <a:rPr lang="en-GB" sz="2800" dirty="0"/>
+              <a:t>08.50 - 09.00 Break</a:t>
+            </a:r>
+          </a:p>
+          <a:p>
+            <a:pPr>
+              <a:lnSpc>
+                <a:spcPct val="150000"/>
+              </a:lnSpc>
+            </a:pPr>
+            <a:r>
+              <a:rPr lang="en-GB" sz="2800" dirty="0">
+                <a:solidFill>
+                  <a:srgbClr val="FF0000"/>
+                </a:solidFill>
+              </a:rPr>
+              <a:t>09.00 - 09.50 Loss Functions for Linear Model</a:t>
+            </a:r>
+          </a:p>
+          <a:p>
+            <a:pPr>
+              <a:lnSpc>
+                <a:spcPct val="150000"/>
+              </a:lnSpc>
+            </a:pPr>
+            <a:r>
+              <a:rPr lang="en-GB" sz="2800" dirty="0"/>
+              <a:t>09.50 - 10.00 Break</a:t>
+            </a:r>
+          </a:p>
+          <a:p>
+            <a:pPr>
+              <a:lnSpc>
+                <a:spcPct val="150000"/>
+              </a:lnSpc>
+            </a:pPr>
+            <a:r>
+              <a:rPr lang="en-GB" sz="2800" dirty="0"/>
+              <a:t>10.00 - 10.50 Reading in Data: FMI Weather Data, </a:t>
+            </a:r>
+            <a:r>
+              <a:rPr lang="en-GB" sz="2800" dirty="0" err="1"/>
+              <a:t>Wikidata</a:t>
+            </a:r>
+            <a:r>
+              <a:rPr lang="en-GB" sz="2800" dirty="0"/>
+              <a:t> </a:t>
+            </a:r>
+          </a:p>
+          <a:p>
+            <a:pPr>
+              <a:lnSpc>
+                <a:spcPct val="150000"/>
+              </a:lnSpc>
+            </a:pPr>
+            <a:r>
+              <a:rPr lang="en-GB" sz="2800" dirty="0"/>
+              <a:t>10.50 - 11.00 Break</a:t>
+            </a:r>
+          </a:p>
+          <a:p>
+            <a:pPr>
+              <a:lnSpc>
+                <a:spcPct val="150000"/>
+              </a:lnSpc>
+            </a:pPr>
+            <a:r>
+              <a:rPr lang="en-GB" sz="2800" dirty="0"/>
+              <a:t>11.00 - 11.50 Demo: Model Diagnosis and Selection</a:t>
+            </a:r>
+          </a:p>
+          <a:p>
+            <a:pPr>
+              <a:lnSpc>
+                <a:spcPct val="150000"/>
+              </a:lnSpc>
+            </a:pPr>
+            <a:r>
+              <a:rPr lang="en-GB" sz="2800" dirty="0"/>
+              <a:t>11.50 – 12.00 Wrap Up </a:t>
+            </a:r>
+          </a:p>
+        </p:txBody>
+      </p:sp>
+    </p:spTree>
+    <p:extLst>
+      <p:ext uri="{BB962C8B-B14F-4D97-AF65-F5344CB8AC3E}">
+        <p14:creationId xmlns:p14="http://schemas.microsoft.com/office/powerpoint/2010/main" val="3055179657"/>
+      </p:ext>
+    </p:extLst>
+  </p:cSld>
+  <p:clrMapOvr>
+    <a:masterClrMapping/>
+  </p:clrMapOvr>
+</p:sld>
+</file>
+
+<file path=ppt/slides/slide13.xml><?xml version="1.0" encoding="utf-8"?>
+<p:sld xmlns:a="http://schemas.openxmlformats.org/drawingml/2006/main" xmlns:r="http://schemas.openxmlformats.org/officeDocument/2006/relationships" xmlns:p="http://schemas.openxmlformats.org/presentationml/2006/main">
+  <p:cSld>
+    <p:spTree>
+      <p:nvGrpSpPr>
+        <p:cNvPr id="1" name=""/>
+        <p:cNvGrpSpPr/>
+        <p:nvPr/>
+      </p:nvGrpSpPr>
+      <p:grpSpPr>
+        <a:xfrm>
+          <a:off x="0" y="0"/>
+          <a:ext cx="0" cy="0"/>
+          <a:chOff x="0" y="0"/>
+          <a:chExt cx="0" cy="0"/>
+        </a:xfrm>
+      </p:grpSpPr>
+      <p:sp>
+        <p:nvSpPr>
+          <p:cNvPr id="4" name="Date Placeholder 3">
+            <a:extLst>
+              <a:ext uri="{FF2B5EF4-FFF2-40B4-BE49-F238E27FC236}">
+                <a16:creationId xmlns:a16="http://schemas.microsoft.com/office/drawing/2014/main" id="{92A45018-1596-77FC-60B1-76D89CB1E96C}"/>
+              </a:ext>
+            </a:extLst>
+          </p:cNvPr>
+          <p:cNvSpPr>
+            <a:spLocks noGrp="1"/>
+          </p:cNvSpPr>
+          <p:nvPr>
+            <p:ph type="dt" sz="half" idx="10"/>
+          </p:nvPr>
+        </p:nvSpPr>
+        <p:spPr/>
+        <p:txBody>
+          <a:bodyPr/>
+          <a:lstStyle/>
+          <a:p>
+            <a:fld id="{09C2894A-47FF-4D4A-84EA-3327DF49E5B5}" type="datetime1">
+              <a:rPr lang="en-US" sz="2400" smtClean="0"/>
+              <a:t>5/20/24</a:t>
+            </a:fld>
+            <a:endParaRPr lang="en-GB" sz="2400"/>
+          </a:p>
+        </p:txBody>
+      </p:sp>
+      <p:sp>
+        <p:nvSpPr>
+          <p:cNvPr id="5" name="Slide Number Placeholder 4">
+            <a:extLst>
+              <a:ext uri="{FF2B5EF4-FFF2-40B4-BE49-F238E27FC236}">
+                <a16:creationId xmlns:a16="http://schemas.microsoft.com/office/drawing/2014/main" id="{2103CC7C-91ED-326C-25F2-E85DB5F3BD71}"/>
+              </a:ext>
+            </a:extLst>
+          </p:cNvPr>
+          <p:cNvSpPr>
+            <a:spLocks noGrp="1"/>
+          </p:cNvSpPr>
+          <p:nvPr>
+            <p:ph type="sldNum" sz="quarter" idx="12"/>
+          </p:nvPr>
+        </p:nvSpPr>
+        <p:spPr/>
+        <p:txBody>
+          <a:bodyPr/>
+          <a:lstStyle/>
+          <a:p>
+            <a:fld id="{6FD98A76-ED6B-D54E-BABE-E8A9BFC6A4C6}" type="slidenum">
+              <a:rPr lang="en-GB" sz="2400" smtClean="0"/>
+              <a:t>13</a:t>
+            </a:fld>
+            <a:endParaRPr lang="en-GB" sz="2400"/>
+          </a:p>
+        </p:txBody>
+      </p:sp>
+      <p:sp>
+        <p:nvSpPr>
+          <p:cNvPr id="11" name="TextBox 10">
+            <a:extLst>
+              <a:ext uri="{FF2B5EF4-FFF2-40B4-BE49-F238E27FC236}">
+                <a16:creationId xmlns:a16="http://schemas.microsoft.com/office/drawing/2014/main" id="{6B21679B-EBE9-D617-8A1F-93F7E6F86A1E}"/>
+              </a:ext>
+            </a:extLst>
+          </p:cNvPr>
+          <p:cNvSpPr txBox="1"/>
+          <p:nvPr/>
+        </p:nvSpPr>
+        <p:spPr>
+          <a:xfrm>
+            <a:off x="554620" y="329187"/>
+            <a:ext cx="9677400" cy="6027163"/>
+          </a:xfrm>
+          <a:prstGeom prst="rect">
+            <a:avLst/>
+          </a:prstGeom>
+          <a:noFill/>
+        </p:spPr>
+        <p:txBody>
+          <a:bodyPr wrap="square">
+            <a:spAutoFit/>
+          </a:bodyPr>
+          <a:lstStyle/>
+          <a:p>
+            <a:pPr>
+              <a:lnSpc>
+                <a:spcPct val="150000"/>
+              </a:lnSpc>
+            </a:pPr>
+            <a:r>
+              <a:rPr lang="en-GB" sz="3600" b="1" dirty="0"/>
+              <a:t>Monday May 20, 2024, 8.00–12.00 </a:t>
+            </a:r>
+          </a:p>
+          <a:p>
+            <a:pPr>
+              <a:lnSpc>
+                <a:spcPct val="150000"/>
+              </a:lnSpc>
+            </a:pPr>
+            <a:r>
+              <a:rPr lang="en-GB" sz="2800" dirty="0"/>
+              <a:t>08.00 - 08.50 Live Demo: Empirical Risk Minimization </a:t>
+            </a:r>
+          </a:p>
+          <a:p>
+            <a:pPr>
+              <a:lnSpc>
+                <a:spcPct val="150000"/>
+              </a:lnSpc>
+            </a:pPr>
+            <a:r>
+              <a:rPr lang="en-GB" sz="2800" dirty="0"/>
+              <a:t>08.50 - 09.00 Break</a:t>
+            </a:r>
+          </a:p>
+          <a:p>
+            <a:pPr>
+              <a:lnSpc>
+                <a:spcPct val="150000"/>
+              </a:lnSpc>
+            </a:pPr>
+            <a:r>
+              <a:rPr lang="en-GB" sz="2800" dirty="0"/>
+              <a:t>09.00 - 09.50 Loss Functions for Linear Model</a:t>
+            </a:r>
+          </a:p>
+          <a:p>
+            <a:pPr>
+              <a:lnSpc>
+                <a:spcPct val="150000"/>
+              </a:lnSpc>
+            </a:pPr>
+            <a:r>
+              <a:rPr lang="en-GB" sz="2800" dirty="0"/>
+              <a:t>09.50 - 10.00 Break</a:t>
+            </a:r>
+          </a:p>
+          <a:p>
+            <a:pPr>
+              <a:lnSpc>
+                <a:spcPct val="150000"/>
+              </a:lnSpc>
+            </a:pPr>
+            <a:r>
+              <a:rPr lang="en-GB" sz="2800" dirty="0">
+                <a:solidFill>
+                  <a:srgbClr val="FF0000"/>
+                </a:solidFill>
+              </a:rPr>
+              <a:t>10.00 - 10.50 Reading in Data: FMI Weather Data, </a:t>
+            </a:r>
+            <a:r>
+              <a:rPr lang="en-GB" sz="2800" dirty="0" err="1">
+                <a:solidFill>
+                  <a:srgbClr val="FF0000"/>
+                </a:solidFill>
+              </a:rPr>
+              <a:t>Wikidata</a:t>
+            </a:r>
+            <a:r>
+              <a:rPr lang="en-GB" sz="2800" dirty="0">
+                <a:solidFill>
+                  <a:srgbClr val="FF0000"/>
+                </a:solidFill>
+              </a:rPr>
+              <a:t> </a:t>
+            </a:r>
+          </a:p>
+          <a:p>
+            <a:pPr>
+              <a:lnSpc>
+                <a:spcPct val="150000"/>
+              </a:lnSpc>
+            </a:pPr>
+            <a:r>
+              <a:rPr lang="en-GB" sz="2800" dirty="0"/>
+              <a:t>10.50 - 11.00 Break</a:t>
+            </a:r>
+          </a:p>
+          <a:p>
+            <a:pPr>
+              <a:lnSpc>
+                <a:spcPct val="150000"/>
+              </a:lnSpc>
+            </a:pPr>
+            <a:r>
+              <a:rPr lang="en-GB" sz="2800" dirty="0"/>
+              <a:t>11.00 - 11.50 Demo: Model Diagnosis and Selection</a:t>
+            </a:r>
+          </a:p>
+          <a:p>
+            <a:pPr>
+              <a:lnSpc>
+                <a:spcPct val="150000"/>
+              </a:lnSpc>
+            </a:pPr>
+            <a:r>
+              <a:rPr lang="en-GB" sz="2800" dirty="0"/>
+              <a:t>11.50 – 12.00 Wrap Up </a:t>
+            </a:r>
+          </a:p>
+        </p:txBody>
+      </p:sp>
+    </p:spTree>
+    <p:extLst>
+      <p:ext uri="{BB962C8B-B14F-4D97-AF65-F5344CB8AC3E}">
+        <p14:creationId xmlns:p14="http://schemas.microsoft.com/office/powerpoint/2010/main" val="2507865489"/>
+      </p:ext>
+    </p:extLst>
+  </p:cSld>
+  <p:clrMapOvr>
+    <a:masterClrMapping/>
+  </p:clrMapOvr>
+</p:sld>
+</file>
+
+<file path=ppt/slides/slide14.xml><?xml version="1.0" encoding="utf-8"?>
+<p:sld xmlns:a="http://schemas.openxmlformats.org/drawingml/2006/main" xmlns:r="http://schemas.openxmlformats.org/officeDocument/2006/relationships" xmlns:p="http://schemas.openxmlformats.org/presentationml/2006/main">
+  <p:cSld>
+    <p:spTree>
+      <p:nvGrpSpPr>
+        <p:cNvPr id="1" name=""/>
+        <p:cNvGrpSpPr/>
+        <p:nvPr/>
+      </p:nvGrpSpPr>
+      <p:grpSpPr>
+        <a:xfrm>
+          <a:off x="0" y="0"/>
+          <a:ext cx="0" cy="0"/>
+          <a:chOff x="0" y="0"/>
+          <a:chExt cx="0" cy="0"/>
+        </a:xfrm>
+      </p:grpSpPr>
+      <p:sp>
+        <p:nvSpPr>
+          <p:cNvPr id="4" name="Date Placeholder 3">
+            <a:extLst>
+              <a:ext uri="{FF2B5EF4-FFF2-40B4-BE49-F238E27FC236}">
+                <a16:creationId xmlns:a16="http://schemas.microsoft.com/office/drawing/2014/main" id="{92A45018-1596-77FC-60B1-76D89CB1E96C}"/>
+              </a:ext>
+            </a:extLst>
+          </p:cNvPr>
+          <p:cNvSpPr>
+            <a:spLocks noGrp="1"/>
+          </p:cNvSpPr>
+          <p:nvPr>
+            <p:ph type="dt" sz="half" idx="10"/>
+          </p:nvPr>
+        </p:nvSpPr>
+        <p:spPr/>
+        <p:txBody>
+          <a:bodyPr/>
+          <a:lstStyle/>
+          <a:p>
+            <a:fld id="{09C2894A-47FF-4D4A-84EA-3327DF49E5B5}" type="datetime1">
+              <a:rPr lang="en-US" sz="2400" smtClean="0"/>
+              <a:t>5/20/24</a:t>
+            </a:fld>
+            <a:endParaRPr lang="en-GB" sz="2400"/>
+          </a:p>
+        </p:txBody>
+      </p:sp>
+      <p:sp>
+        <p:nvSpPr>
+          <p:cNvPr id="5" name="Slide Number Placeholder 4">
+            <a:extLst>
+              <a:ext uri="{FF2B5EF4-FFF2-40B4-BE49-F238E27FC236}">
+                <a16:creationId xmlns:a16="http://schemas.microsoft.com/office/drawing/2014/main" id="{2103CC7C-91ED-326C-25F2-E85DB5F3BD71}"/>
+              </a:ext>
+            </a:extLst>
+          </p:cNvPr>
+          <p:cNvSpPr>
+            <a:spLocks noGrp="1"/>
+          </p:cNvSpPr>
+          <p:nvPr>
+            <p:ph type="sldNum" sz="quarter" idx="12"/>
+          </p:nvPr>
+        </p:nvSpPr>
+        <p:spPr/>
+        <p:txBody>
+          <a:bodyPr/>
+          <a:lstStyle/>
+          <a:p>
+            <a:fld id="{6FD98A76-ED6B-D54E-BABE-E8A9BFC6A4C6}" type="slidenum">
+              <a:rPr lang="en-GB" sz="2400" smtClean="0"/>
+              <a:t>14</a:t>
+            </a:fld>
+            <a:endParaRPr lang="en-GB" sz="2400"/>
+          </a:p>
+        </p:txBody>
+      </p:sp>
+      <p:sp>
+        <p:nvSpPr>
+          <p:cNvPr id="11" name="TextBox 10">
+            <a:extLst>
+              <a:ext uri="{FF2B5EF4-FFF2-40B4-BE49-F238E27FC236}">
+                <a16:creationId xmlns:a16="http://schemas.microsoft.com/office/drawing/2014/main" id="{6B21679B-EBE9-D617-8A1F-93F7E6F86A1E}"/>
+              </a:ext>
+            </a:extLst>
+          </p:cNvPr>
+          <p:cNvSpPr txBox="1"/>
+          <p:nvPr/>
+        </p:nvSpPr>
+        <p:spPr>
+          <a:xfrm>
+            <a:off x="554620" y="329187"/>
+            <a:ext cx="9677400" cy="6027163"/>
+          </a:xfrm>
+          <a:prstGeom prst="rect">
+            <a:avLst/>
+          </a:prstGeom>
+          <a:noFill/>
+        </p:spPr>
+        <p:txBody>
+          <a:bodyPr wrap="square">
+            <a:spAutoFit/>
+          </a:bodyPr>
+          <a:lstStyle/>
+          <a:p>
+            <a:pPr>
+              <a:lnSpc>
+                <a:spcPct val="150000"/>
+              </a:lnSpc>
+            </a:pPr>
+            <a:r>
+              <a:rPr lang="en-GB" sz="3600" b="1" dirty="0"/>
+              <a:t>Monday May 20, 2024, 8.00–12.00 </a:t>
+            </a:r>
+          </a:p>
+          <a:p>
+            <a:pPr>
+              <a:lnSpc>
+                <a:spcPct val="150000"/>
+              </a:lnSpc>
+            </a:pPr>
+            <a:r>
+              <a:rPr lang="en-GB" sz="2800" dirty="0"/>
+              <a:t>08.00 - 08.50 Live Demo: Empirical Risk Minimization </a:t>
+            </a:r>
+          </a:p>
+          <a:p>
+            <a:pPr>
+              <a:lnSpc>
+                <a:spcPct val="150000"/>
+              </a:lnSpc>
+            </a:pPr>
+            <a:r>
+              <a:rPr lang="en-GB" sz="2800" dirty="0"/>
+              <a:t>08.50 - 09.00 Break</a:t>
+            </a:r>
+          </a:p>
+          <a:p>
+            <a:pPr>
+              <a:lnSpc>
+                <a:spcPct val="150000"/>
+              </a:lnSpc>
+            </a:pPr>
+            <a:r>
+              <a:rPr lang="en-GB" sz="2800" dirty="0"/>
+              <a:t>09.00 - 09.50 Loss Functions for Linear Model</a:t>
+            </a:r>
+          </a:p>
+          <a:p>
+            <a:pPr>
+              <a:lnSpc>
+                <a:spcPct val="150000"/>
+              </a:lnSpc>
+            </a:pPr>
+            <a:r>
+              <a:rPr lang="en-GB" sz="2800" dirty="0"/>
+              <a:t>09.50 - 10.00 Break</a:t>
+            </a:r>
+          </a:p>
+          <a:p>
+            <a:pPr>
+              <a:lnSpc>
+                <a:spcPct val="150000"/>
+              </a:lnSpc>
+            </a:pPr>
+            <a:r>
+              <a:rPr lang="en-GB" sz="2800" dirty="0"/>
+              <a:t>10.00 - 10.50 Reading in Data: FMI Weather Data, </a:t>
+            </a:r>
+            <a:r>
+              <a:rPr lang="en-GB" sz="2800" dirty="0" err="1"/>
+              <a:t>Wikidata</a:t>
+            </a:r>
+            <a:r>
+              <a:rPr lang="en-GB" sz="2800" dirty="0"/>
+              <a:t> </a:t>
+            </a:r>
+          </a:p>
+          <a:p>
+            <a:pPr>
+              <a:lnSpc>
+                <a:spcPct val="150000"/>
+              </a:lnSpc>
+            </a:pPr>
+            <a:r>
+              <a:rPr lang="en-GB" sz="2800" dirty="0"/>
+              <a:t>10.50 - 11.00 Break</a:t>
+            </a:r>
+          </a:p>
+          <a:p>
+            <a:pPr>
+              <a:lnSpc>
+                <a:spcPct val="150000"/>
+              </a:lnSpc>
+            </a:pPr>
+            <a:r>
+              <a:rPr lang="en-GB" sz="2800" dirty="0">
+                <a:solidFill>
+                  <a:srgbClr val="FF0000"/>
+                </a:solidFill>
+              </a:rPr>
+              <a:t>11.00 - 11.50 Demo: Model Diagnosis and Selection</a:t>
+            </a:r>
+          </a:p>
+          <a:p>
+            <a:pPr>
+              <a:lnSpc>
+                <a:spcPct val="150000"/>
+              </a:lnSpc>
+            </a:pPr>
+            <a:r>
+              <a:rPr lang="en-GB" sz="2800" dirty="0"/>
+              <a:t>11.50 – 12.00 Wrap Up </a:t>
+            </a:r>
+          </a:p>
+        </p:txBody>
+      </p:sp>
+    </p:spTree>
+    <p:extLst>
+      <p:ext uri="{BB962C8B-B14F-4D97-AF65-F5344CB8AC3E}">
+        <p14:creationId xmlns:p14="http://schemas.microsoft.com/office/powerpoint/2010/main" val="2154156760"/>
       </p:ext>
     </p:extLst>
   </p:cSld>
@@ -4347,7 +5392,7 @@
           <a:p>
             <a:fld id="{09C2894A-47FF-4D4A-84EA-3327DF49E5B5}" type="datetime1">
               <a:rPr lang="en-US" sz="2400" smtClean="0"/>
-              <a:t>5/17/24</a:t>
+              <a:t>5/20/24</a:t>
             </a:fld>
             <a:endParaRPr lang="en-GB" sz="2400"/>
           </a:p>
@@ -4416,7 +5461,7 @@
               </a:lnSpc>
             </a:pPr>
             <a:r>
-              <a:rPr lang="en-GB" sz="3600" b="1"/>
+              <a:rPr lang="en-GB" sz="3600" b="1" dirty="0"/>
               <a:t>Monday May 20, 2024, 8.00–12.00 </a:t>
             </a:r>
           </a:p>
@@ -4427,7 +5472,7 @@
               </a:lnSpc>
             </a:pPr>
             <a:r>
-              <a:rPr lang="en-GB" sz="2800"/>
+              <a:rPr lang="en-GB" sz="2800" dirty="0"/>
               <a:t>08.00 - 08.50 Live Demo: Empirical Risk Minimization </a:t>
             </a:r>
           </a:p>
@@ -4438,7 +5483,7 @@
               </a:lnSpc>
             </a:pPr>
             <a:r>
-              <a:rPr lang="en-GB" sz="2800"/>
+              <a:rPr lang="en-GB" sz="2800" dirty="0"/>
               <a:t>08.50 - 09.00 Break</a:t>
             </a:r>
           </a:p>
@@ -4449,8 +5494,8 @@
               </a:lnSpc>
             </a:pPr>
             <a:r>
-              <a:rPr lang="en-GB" sz="2800"/>
-              <a:t>09.00 - 09.50  Loss Functions for Linear Model</a:t>
+              <a:rPr lang="en-GB" sz="2800" dirty="0"/>
+              <a:t>09.00 - 09.50 Loss Functions for Linear Model</a:t>
             </a:r>
           </a:p>
           <a:p>
@@ -4460,7 +5505,7 @@
               </a:lnSpc>
             </a:pPr>
             <a:r>
-              <a:rPr lang="en-GB" sz="2800"/>
+              <a:rPr lang="en-GB" sz="2800" dirty="0"/>
               <a:t>09.50 - 10.00 Break</a:t>
             </a:r>
           </a:p>
@@ -4471,15 +5516,15 @@
               </a:lnSpc>
             </a:pPr>
             <a:r>
-              <a:rPr lang="en-GB" sz="2800"/>
+              <a:rPr lang="en-GB" sz="2800" dirty="0"/>
               <a:t>10.00 - 10.50 Reading in Data: FMI Weather Data, </a:t>
             </a:r>
             <a:r>
-              <a:rPr lang="en-GB" sz="2800" err="1"/>
+              <a:rPr lang="en-GB" sz="2800" dirty="0" err="1"/>
               <a:t>Wikidata</a:t>
             </a:r>
             <a:r>
-              <a:rPr lang="en-GB" sz="2800"/>
+              <a:rPr lang="en-GB" sz="2800" dirty="0"/>
               <a:t> </a:t>
             </a:r>
           </a:p>
@@ -4490,7 +5535,7 @@
               </a:lnSpc>
             </a:pPr>
             <a:r>
-              <a:rPr lang="en-GB" sz="2800"/>
+              <a:rPr lang="en-GB" sz="2800" dirty="0"/>
               <a:t>10.50 - 11.00 Break</a:t>
             </a:r>
           </a:p>
@@ -4501,7 +5546,7 @@
               </a:lnSpc>
             </a:pPr>
             <a:r>
-              <a:rPr lang="en-GB" sz="2800"/>
+              <a:rPr lang="en-GB" sz="2800" dirty="0"/>
               <a:t>11.00 - 11.50 Demo: Model Diagnosis and Selection</a:t>
             </a:r>
           </a:p>
@@ -4512,7 +5557,7 @@
               </a:lnSpc>
             </a:pPr>
             <a:r>
-              <a:rPr lang="en-GB" sz="2800"/>
+              <a:rPr lang="en-GB" sz="2800" dirty="0"/>
               <a:t>11.50 – 12.00 Wrap Up </a:t>
             </a:r>
           </a:p>
@@ -4571,7 +5616,7 @@
           <a:p>
             <a:fld id="{09C2894A-47FF-4D4A-84EA-3327DF49E5B5}" type="datetime1">
               <a:rPr lang="en-US" smtClean="0"/>
-              <a:t>5/17/24</a:t>
+              <a:t>5/20/24</a:t>
             </a:fld>
             <a:endParaRPr lang="en-GB" dirty="0"/>
           </a:p>
@@ -4606,8 +5651,8 @@
           </a:p>
         </p:txBody>
       </p:sp>
-      <mc:AlternateContent xmlns:mc="http://schemas.openxmlformats.org/markup-compatibility/2006">
-        <mc:Choice xmlns:a14="http://schemas.microsoft.com/office/drawing/2010/main" Requires="a14">
+      <mc:AlternateContent xmlns:mc="http://schemas.openxmlformats.org/markup-compatibility/2006" xmlns:a14="http://schemas.microsoft.com/office/drawing/2010/main">
+        <mc:Choice Requires="a14">
           <p:sp>
             <p:nvSpPr>
               <p:cNvPr id="6" name="TextBox 5">
@@ -4724,7 +5769,7 @@
             </p:txBody>
           </p:sp>
         </mc:Choice>
-        <mc:Fallback>
+        <mc:Fallback xmlns="">
           <p:sp>
             <p:nvSpPr>
               <p:cNvPr id="6" name="TextBox 5">
@@ -5297,8 +6342,8 @@
           </a:fontRef>
         </p:style>
       </p:cxnSp>
-      <mc:AlternateContent xmlns:mc="http://schemas.openxmlformats.org/markup-compatibility/2006">
-        <mc:Choice xmlns:a14="http://schemas.microsoft.com/office/drawing/2010/main" Requires="a14">
+      <mc:AlternateContent xmlns:mc="http://schemas.openxmlformats.org/markup-compatibility/2006" xmlns:a14="http://schemas.microsoft.com/office/drawing/2010/main">
+        <mc:Choice Requires="a14">
           <p:sp>
             <p:nvSpPr>
               <p:cNvPr id="19" name="TextBox 18">
@@ -5440,7 +6485,7 @@
             </p:txBody>
           </p:sp>
         </mc:Choice>
-        <mc:Fallback>
+        <mc:Fallback xmlns="">
           <p:sp>
             <p:nvSpPr>
               <p:cNvPr id="19" name="TextBox 18">
@@ -5720,7 +6765,7 @@
         </p:nvSpPr>
         <p:spPr>
           <a:xfrm>
-            <a:off x="871200" y="1188000"/>
+            <a:off x="871199" y="597456"/>
             <a:ext cx="10449600" cy="720000"/>
           </a:xfrm>
         </p:spPr>
@@ -5731,7 +6776,7 @@
           <a:lstStyle/>
           <a:p>
             <a:r>
-              <a:rPr lang="en-US"/>
+              <a:rPr lang="en-US" dirty="0"/>
               <a:t>What is the topic and theme of your project?</a:t>
             </a:r>
           </a:p>
@@ -5918,10 +6963,10 @@
       </p:grpSpPr>
       <p:sp>
         <p:nvSpPr>
-          <p:cNvPr id="2" name="Underrubrik 1">
-            <a:extLst>
-              <a:ext uri="{FF2B5EF4-FFF2-40B4-BE49-F238E27FC236}">
-                <a16:creationId xmlns:a16="http://schemas.microsoft.com/office/drawing/2014/main" id="{8783E7A2-971D-9496-000B-95D8CD4B47C2}"/>
+          <p:cNvPr id="4" name="Date Placeholder 3">
+            <a:extLst>
+              <a:ext uri="{FF2B5EF4-FFF2-40B4-BE49-F238E27FC236}">
+                <a16:creationId xmlns:a16="http://schemas.microsoft.com/office/drawing/2014/main" id="{3D680178-874A-27AD-43FD-E45F16307336}"/>
               </a:ext>
             </a:extLst>
           </p:cNvPr>
@@ -5929,32 +6974,28 @@
             <a:spLocks noGrp="1"/>
           </p:cNvSpPr>
           <p:nvPr>
-            <p:ph type="subTitle" idx="1"/>
+            <p:ph type="dt" sz="half" idx="10"/>
           </p:nvPr>
         </p:nvSpPr>
-        <p:spPr>
-          <a:xfrm>
-            <a:off x="871197" y="4723478"/>
-            <a:ext cx="4485991" cy="664857"/>
-          </a:xfrm>
-        </p:spPr>
+        <p:spPr/>
         <p:txBody>
           <a:bodyPr/>
           <a:lstStyle/>
           <a:p>
-            <a:r>
-              <a:rPr lang="sv-SE" dirty="0"/>
-              <a:t>Jenny Hedström, Helena Holmlund, Vivika Halapuu, Ylva Ericsson</a:t>
-            </a:r>
-          </a:p>
-        </p:txBody>
-      </p:sp>
-      <p:sp>
-        <p:nvSpPr>
-          <p:cNvPr id="3" name="Rubrik 2">
-            <a:extLst>
-              <a:ext uri="{FF2B5EF4-FFF2-40B4-BE49-F238E27FC236}">
-                <a16:creationId xmlns:a16="http://schemas.microsoft.com/office/drawing/2014/main" id="{7CD27F7C-BD2B-8F1B-D9CC-92CEDDB9B408}"/>
+            <a:fld id="{09C2894A-47FF-4D4A-84EA-3327DF49E5B5}" type="datetime1">
+              <a:rPr lang="en-US" smtClean="0"/>
+              <a:t>5/20/24</a:t>
+            </a:fld>
+            <a:endParaRPr lang="en-GB" dirty="0"/>
+          </a:p>
+        </p:txBody>
+      </p:sp>
+      <p:sp>
+        <p:nvSpPr>
+          <p:cNvPr id="5" name="Slide Number Placeholder 4">
+            <a:extLst>
+              <a:ext uri="{FF2B5EF4-FFF2-40B4-BE49-F238E27FC236}">
+                <a16:creationId xmlns:a16="http://schemas.microsoft.com/office/drawing/2014/main" id="{E878AE3C-C42A-E001-F62F-66876CF73D7C}"/>
               </a:ext>
             </a:extLst>
           </p:cNvPr>
@@ -5962,36 +7003,1084 @@
             <a:spLocks noGrp="1"/>
           </p:cNvSpPr>
           <p:nvPr>
-            <p:ph type="title"/>
+            <p:ph type="sldNum" sz="quarter" idx="12"/>
           </p:nvPr>
         </p:nvSpPr>
+        <p:spPr/>
+        <p:txBody>
+          <a:bodyPr/>
+          <a:lstStyle/>
+          <a:p>
+            <a:fld id="{6FD98A76-ED6B-D54E-BABE-E8A9BFC6A4C6}" type="slidenum">
+              <a:rPr lang="en-GB" smtClean="0"/>
+              <a:t>5</a:t>
+            </a:fld>
+            <a:endParaRPr lang="en-GB" dirty="0"/>
+          </a:p>
+        </p:txBody>
+      </p:sp>
+      <mc:AlternateContent xmlns:mc="http://schemas.openxmlformats.org/markup-compatibility/2006" xmlns:a14="http://schemas.microsoft.com/office/drawing/2010/main">
+        <mc:Choice Requires="a14">
+          <p:sp>
+            <p:nvSpPr>
+              <p:cNvPr id="6" name="TextBox 5">
+                <a:extLst>
+                  <a:ext uri="{FF2B5EF4-FFF2-40B4-BE49-F238E27FC236}">
+                    <a16:creationId xmlns:a16="http://schemas.microsoft.com/office/drawing/2014/main" id="{70F71B3E-60D8-4ED6-3E13-E0364328BA7F}"/>
+                  </a:ext>
+                </a:extLst>
+              </p:cNvPr>
+              <p:cNvSpPr txBox="1"/>
+              <p:nvPr/>
+            </p:nvSpPr>
+            <p:spPr>
+              <a:xfrm>
+                <a:off x="9415912" y="1672532"/>
+                <a:ext cx="1983137" cy="584775"/>
+              </a:xfrm>
+              <a:prstGeom prst="rect">
+                <a:avLst/>
+              </a:prstGeom>
+              <a:noFill/>
+            </p:spPr>
+            <p:txBody>
+              <a:bodyPr wrap="square" rtlCol="0">
+                <a:spAutoFit/>
+              </a:bodyPr>
+              <a:lstStyle/>
+              <a:p>
+                <a:pPr/>
+                <a14:m>
+                  <m:oMathPara xmlns:m="http://schemas.openxmlformats.org/officeDocument/2006/math">
+                    <m:oMathParaPr>
+                      <m:jc m:val="centerGroup"/>
+                    </m:oMathParaPr>
+                    <m:oMath xmlns:m="http://schemas.openxmlformats.org/officeDocument/2006/math">
+                      <m:acc>
+                        <m:accPr>
+                          <m:chr m:val="̂"/>
+                          <m:ctrlPr>
+                            <a:rPr lang="en-GB" sz="3200" i="1" smtClean="0">
+                              <a:solidFill>
+                                <a:schemeClr val="accent2"/>
+                              </a:solidFill>
+                              <a:latin typeface="Cambria Math" panose="02040503050406030204" pitchFamily="18" charset="0"/>
+                            </a:rPr>
+                          </m:ctrlPr>
+                        </m:accPr>
+                        <m:e>
+                          <m:r>
+                            <a:rPr lang="de-DE" sz="3200" b="0" i="1" smtClean="0">
+                              <a:solidFill>
+                                <a:schemeClr val="accent2"/>
+                              </a:solidFill>
+                              <a:latin typeface="Cambria Math" panose="02040503050406030204" pitchFamily="18" charset="0"/>
+                            </a:rPr>
+                            <m:t>𝑦</m:t>
+                          </m:r>
+                        </m:e>
+                      </m:acc>
+                      <m:r>
+                        <a:rPr lang="de-DE" sz="3200" b="0" i="1" smtClean="0">
+                          <a:solidFill>
+                            <a:schemeClr val="accent2"/>
+                          </a:solidFill>
+                          <a:latin typeface="Cambria Math" panose="02040503050406030204" pitchFamily="18" charset="0"/>
+                        </a:rPr>
+                        <m:t>=</m:t>
+                      </m:r>
+                      <m:r>
+                        <a:rPr lang="de-DE" sz="3200" b="0" i="1" smtClean="0">
+                          <a:solidFill>
+                            <a:schemeClr val="accent2"/>
+                          </a:solidFill>
+                          <a:latin typeface="Cambria Math" panose="02040503050406030204" pitchFamily="18" charset="0"/>
+                        </a:rPr>
+                        <m:t>h</m:t>
+                      </m:r>
+                      <m:r>
+                        <a:rPr lang="de-DE" sz="3200" b="0" i="1" smtClean="0">
+                          <a:solidFill>
+                            <a:schemeClr val="accent2"/>
+                          </a:solidFill>
+                          <a:latin typeface="Cambria Math" panose="02040503050406030204" pitchFamily="18" charset="0"/>
+                        </a:rPr>
+                        <m:t>(</m:t>
+                      </m:r>
+                      <m:r>
+                        <a:rPr lang="de-DE" sz="3200" b="0" i="1" smtClean="0">
+                          <a:solidFill>
+                            <a:schemeClr val="accent2"/>
+                          </a:solidFill>
+                          <a:latin typeface="Cambria Math" panose="02040503050406030204" pitchFamily="18" charset="0"/>
+                        </a:rPr>
+                        <m:t>𝑥</m:t>
+                      </m:r>
+                      <m:r>
+                        <a:rPr lang="de-DE" sz="3200" b="0" i="1" smtClean="0">
+                          <a:solidFill>
+                            <a:schemeClr val="accent2"/>
+                          </a:solidFill>
+                          <a:latin typeface="Cambria Math" panose="02040503050406030204" pitchFamily="18" charset="0"/>
+                        </a:rPr>
+                        <m:t>)</m:t>
+                      </m:r>
+                    </m:oMath>
+                  </m:oMathPara>
+                </a14:m>
+                <a:endParaRPr lang="en-GB" sz="3200" dirty="0">
+                  <a:solidFill>
+                    <a:schemeClr val="accent2"/>
+                  </a:solidFill>
+                </a:endParaRPr>
+              </a:p>
+            </p:txBody>
+          </p:sp>
+        </mc:Choice>
+        <mc:Fallback xmlns="">
+          <p:sp>
+            <p:nvSpPr>
+              <p:cNvPr id="6" name="TextBox 5">
+                <a:extLst>
+                  <a:ext uri="{FF2B5EF4-FFF2-40B4-BE49-F238E27FC236}">
+                    <a16:creationId xmlns:a16="http://schemas.microsoft.com/office/drawing/2014/main" id="{70F71B3E-60D8-4ED6-3E13-E0364328BA7F}"/>
+                  </a:ext>
+                </a:extLst>
+              </p:cNvPr>
+              <p:cNvSpPr txBox="1">
+                <a:spLocks noRot="1" noChangeAspect="1" noMove="1" noResize="1" noEditPoints="1" noAdjustHandles="1" noChangeArrowheads="1" noChangeShapeType="1" noTextEdit="1"/>
+              </p:cNvSpPr>
+              <p:nvPr/>
+            </p:nvSpPr>
+            <p:spPr>
+              <a:xfrm>
+                <a:off x="9415912" y="1672532"/>
+                <a:ext cx="1983137" cy="584775"/>
+              </a:xfrm>
+              <a:prstGeom prst="rect">
+                <a:avLst/>
+              </a:prstGeom>
+              <a:blipFill>
+                <a:blip r:embed="rId2"/>
+                <a:stretch>
+                  <a:fillRect t="-8511" b="-21277"/>
+                </a:stretch>
+              </a:blipFill>
+            </p:spPr>
+            <p:txBody>
+              <a:bodyPr/>
+              <a:lstStyle/>
+              <a:p>
+                <a:r>
+                  <a:rPr lang="en-GB">
+                    <a:noFill/>
+                  </a:rPr>
+                  <a:t> </a:t>
+                </a:r>
+              </a:p>
+            </p:txBody>
+          </p:sp>
+        </mc:Fallback>
+      </mc:AlternateContent>
+      <p:cxnSp>
+        <p:nvCxnSpPr>
+          <p:cNvPr id="7" name="Straight Arrow Connector 6">
+            <a:extLst>
+              <a:ext uri="{FF2B5EF4-FFF2-40B4-BE49-F238E27FC236}">
+                <a16:creationId xmlns:a16="http://schemas.microsoft.com/office/drawing/2014/main" id="{2E40092A-35DA-7B52-4E5B-9B4DEC4F47F0}"/>
+              </a:ext>
+            </a:extLst>
+          </p:cNvPr>
+          <p:cNvCxnSpPr>
+            <a:cxnSpLocks/>
+          </p:cNvCxnSpPr>
+          <p:nvPr/>
+        </p:nvCxnSpPr>
         <p:spPr>
           <a:xfrm>
-            <a:off x="871197" y="2315816"/>
-            <a:ext cx="10936489" cy="2216427"/>
-          </a:xfrm>
-        </p:spPr>
-        <p:txBody>
-          <a:bodyPr/>
-          <a:lstStyle/>
-          <a:p>
-            <a:r>
-              <a:rPr lang="en-GB" sz="3200" i="1" dirty="0">
-                <a:latin typeface="Public Sans"/>
-              </a:rPr>
-              <a:t>Profiling third country students to contribute to the evaluation of the internationalisation policy of higher education institutions</a:t>
-            </a:r>
-            <a:br>
-              <a:rPr lang="sv-SE" sz="3200" i="1" dirty="0"/>
-            </a:br>
-            <a:br>
-              <a:rPr lang="sv-SE" sz="3200" i="1" dirty="0"/>
-            </a:br>
-            <a:r>
-              <a:rPr lang="sv-SE" sz="2400" dirty="0">
-                <a:latin typeface="Public Sans"/>
-              </a:rPr>
-              <a:t>Project mid-presentation</a:t>
+            <a:off x="1049225" y="5183270"/>
+            <a:ext cx="8446971" cy="0"/>
+          </a:xfrm>
+          <a:prstGeom prst="straightConnector1">
+            <a:avLst/>
+          </a:prstGeom>
+          <a:ln w="38100">
+            <a:solidFill>
+              <a:schemeClr val="tx1"/>
+            </a:solidFill>
+            <a:tailEnd type="triangle"/>
+          </a:ln>
+        </p:spPr>
+        <p:style>
+          <a:lnRef idx="1">
+            <a:schemeClr val="accent1"/>
+          </a:lnRef>
+          <a:fillRef idx="0">
+            <a:schemeClr val="accent1"/>
+          </a:fillRef>
+          <a:effectRef idx="0">
+            <a:schemeClr val="accent1"/>
+          </a:effectRef>
+          <a:fontRef idx="minor">
+            <a:schemeClr val="tx1"/>
+          </a:fontRef>
+        </p:style>
+      </p:cxnSp>
+      <p:cxnSp>
+        <p:nvCxnSpPr>
+          <p:cNvPr id="8" name="Straight Arrow Connector 7">
+            <a:extLst>
+              <a:ext uri="{FF2B5EF4-FFF2-40B4-BE49-F238E27FC236}">
+                <a16:creationId xmlns:a16="http://schemas.microsoft.com/office/drawing/2014/main" id="{73D3E3A6-A5D2-6156-E55D-0F62D60A4783}"/>
+              </a:ext>
+            </a:extLst>
+          </p:cNvPr>
+          <p:cNvCxnSpPr>
+            <a:cxnSpLocks/>
+          </p:cNvCxnSpPr>
+          <p:nvPr/>
+        </p:nvCxnSpPr>
+        <p:spPr>
+          <a:xfrm flipV="1">
+            <a:off x="1216253" y="1825709"/>
+            <a:ext cx="0" cy="3676868"/>
+          </a:xfrm>
+          <a:prstGeom prst="straightConnector1">
+            <a:avLst/>
+          </a:prstGeom>
+          <a:ln w="38100">
+            <a:solidFill>
+              <a:schemeClr val="tx1"/>
+            </a:solidFill>
+            <a:tailEnd type="triangle"/>
+          </a:ln>
+        </p:spPr>
+        <p:style>
+          <a:lnRef idx="1">
+            <a:schemeClr val="accent1"/>
+          </a:lnRef>
+          <a:fillRef idx="0">
+            <a:schemeClr val="accent1"/>
+          </a:fillRef>
+          <a:effectRef idx="0">
+            <a:schemeClr val="accent1"/>
+          </a:effectRef>
+          <a:fontRef idx="minor">
+            <a:schemeClr val="tx1"/>
+          </a:fontRef>
+        </p:style>
+      </p:cxnSp>
+      <p:sp>
+        <p:nvSpPr>
+          <p:cNvPr id="9" name="TextBox 8">
+            <a:extLst>
+              <a:ext uri="{FF2B5EF4-FFF2-40B4-BE49-F238E27FC236}">
+                <a16:creationId xmlns:a16="http://schemas.microsoft.com/office/drawing/2014/main" id="{CFA75488-67B6-CB39-1710-4EDCF9CB2D2B}"/>
+              </a:ext>
+            </a:extLst>
+          </p:cNvPr>
+          <p:cNvSpPr txBox="1"/>
+          <p:nvPr/>
+        </p:nvSpPr>
+        <p:spPr>
+          <a:xfrm>
+            <a:off x="9166242" y="5278768"/>
+            <a:ext cx="1662506" cy="584775"/>
+          </a:xfrm>
+          <a:prstGeom prst="rect">
+            <a:avLst/>
+          </a:prstGeom>
+          <a:noFill/>
+        </p:spPr>
+        <p:txBody>
+          <a:bodyPr wrap="none" rtlCol="0">
+            <a:spAutoFit/>
+          </a:bodyPr>
+          <a:lstStyle/>
+          <a:p>
+            <a:r>
+              <a:rPr lang="en-GB" sz="3200" dirty="0"/>
+              <a:t>feature</a:t>
+            </a:r>
+            <a:r>
+              <a:rPr lang="en-AT" sz="3200"/>
+              <a:t> x</a:t>
+            </a:r>
+          </a:p>
+        </p:txBody>
+      </p:sp>
+      <p:sp>
+        <p:nvSpPr>
+          <p:cNvPr id="10" name="TextBox 9">
+            <a:extLst>
+              <a:ext uri="{FF2B5EF4-FFF2-40B4-BE49-F238E27FC236}">
+                <a16:creationId xmlns:a16="http://schemas.microsoft.com/office/drawing/2014/main" id="{C86AA83D-2A8D-5C0A-DC48-45A42857D71E}"/>
+              </a:ext>
+            </a:extLst>
+          </p:cNvPr>
+          <p:cNvSpPr txBox="1"/>
+          <p:nvPr/>
+        </p:nvSpPr>
+        <p:spPr>
+          <a:xfrm>
+            <a:off x="308056" y="1201149"/>
+            <a:ext cx="1269899" cy="584775"/>
+          </a:xfrm>
+          <a:prstGeom prst="rect">
+            <a:avLst/>
+          </a:prstGeom>
+          <a:noFill/>
+        </p:spPr>
+        <p:txBody>
+          <a:bodyPr wrap="none" rtlCol="0">
+            <a:spAutoFit/>
+          </a:bodyPr>
+          <a:lstStyle/>
+          <a:p>
+            <a:r>
+              <a:rPr lang="en-GB" sz="3200" dirty="0"/>
+              <a:t>label</a:t>
+            </a:r>
+            <a:r>
+              <a:rPr lang="en-AT" sz="3200"/>
+              <a:t> y</a:t>
+            </a:r>
+          </a:p>
+        </p:txBody>
+      </p:sp>
+      <p:sp>
+        <p:nvSpPr>
+          <p:cNvPr id="11" name="Oval 10">
+            <a:extLst>
+              <a:ext uri="{FF2B5EF4-FFF2-40B4-BE49-F238E27FC236}">
+                <a16:creationId xmlns:a16="http://schemas.microsoft.com/office/drawing/2014/main" id="{063CCC22-DB28-32D3-10D4-012FE18C78D7}"/>
+              </a:ext>
+            </a:extLst>
+          </p:cNvPr>
+          <p:cNvSpPr/>
+          <p:nvPr/>
+        </p:nvSpPr>
+        <p:spPr>
+          <a:xfrm>
+            <a:off x="2163991" y="2468645"/>
+            <a:ext cx="276906" cy="285750"/>
+          </a:xfrm>
+          <a:prstGeom prst="ellipse">
+            <a:avLst/>
+          </a:prstGeom>
+        </p:spPr>
+        <p:style>
+          <a:lnRef idx="2">
+            <a:schemeClr val="accent1">
+              <a:shade val="50000"/>
+            </a:schemeClr>
+          </a:lnRef>
+          <a:fillRef idx="1">
+            <a:schemeClr val="accent1"/>
+          </a:fillRef>
+          <a:effectRef idx="0">
+            <a:schemeClr val="accent1"/>
+          </a:effectRef>
+          <a:fontRef idx="minor">
+            <a:schemeClr val="lt1"/>
+          </a:fontRef>
+        </p:style>
+        <p:txBody>
+          <a:bodyPr rtlCol="0" anchor="ctr"/>
+          <a:lstStyle/>
+          <a:p>
+            <a:pPr algn="ctr"/>
+            <a:endParaRPr lang="en-AT"/>
+          </a:p>
+        </p:txBody>
+      </p:sp>
+      <p:sp>
+        <p:nvSpPr>
+          <p:cNvPr id="12" name="Oval 11">
+            <a:extLst>
+              <a:ext uri="{FF2B5EF4-FFF2-40B4-BE49-F238E27FC236}">
+                <a16:creationId xmlns:a16="http://schemas.microsoft.com/office/drawing/2014/main" id="{B6FA16E1-5025-36DE-BE5F-DC69C76CCF0D}"/>
+              </a:ext>
+            </a:extLst>
+          </p:cNvPr>
+          <p:cNvSpPr/>
+          <p:nvPr/>
+        </p:nvSpPr>
+        <p:spPr>
+          <a:xfrm>
+            <a:off x="3882234" y="4998798"/>
+            <a:ext cx="276906" cy="285750"/>
+          </a:xfrm>
+          <a:prstGeom prst="ellipse">
+            <a:avLst/>
+          </a:prstGeom>
+        </p:spPr>
+        <p:style>
+          <a:lnRef idx="2">
+            <a:schemeClr val="accent1">
+              <a:shade val="50000"/>
+            </a:schemeClr>
+          </a:lnRef>
+          <a:fillRef idx="1">
+            <a:schemeClr val="accent1"/>
+          </a:fillRef>
+          <a:effectRef idx="0">
+            <a:schemeClr val="accent1"/>
+          </a:effectRef>
+          <a:fontRef idx="minor">
+            <a:schemeClr val="lt1"/>
+          </a:fontRef>
+        </p:style>
+        <p:txBody>
+          <a:bodyPr rtlCol="0" anchor="ctr"/>
+          <a:lstStyle/>
+          <a:p>
+            <a:pPr algn="ctr"/>
+            <a:endParaRPr lang="en-AT"/>
+          </a:p>
+        </p:txBody>
+      </p:sp>
+      <p:sp>
+        <p:nvSpPr>
+          <p:cNvPr id="13" name="Oval 12">
+            <a:extLst>
+              <a:ext uri="{FF2B5EF4-FFF2-40B4-BE49-F238E27FC236}">
+                <a16:creationId xmlns:a16="http://schemas.microsoft.com/office/drawing/2014/main" id="{D0BA3FA3-090C-CCFF-C2A0-3E908EB87CA8}"/>
+              </a:ext>
+            </a:extLst>
+          </p:cNvPr>
+          <p:cNvSpPr/>
+          <p:nvPr/>
+        </p:nvSpPr>
+        <p:spPr>
+          <a:xfrm>
+            <a:off x="6292742" y="4082339"/>
+            <a:ext cx="276906" cy="285750"/>
+          </a:xfrm>
+          <a:prstGeom prst="ellipse">
+            <a:avLst/>
+          </a:prstGeom>
+        </p:spPr>
+        <p:style>
+          <a:lnRef idx="2">
+            <a:schemeClr val="accent1">
+              <a:shade val="50000"/>
+            </a:schemeClr>
+          </a:lnRef>
+          <a:fillRef idx="1">
+            <a:schemeClr val="accent1"/>
+          </a:fillRef>
+          <a:effectRef idx="0">
+            <a:schemeClr val="accent1"/>
+          </a:effectRef>
+          <a:fontRef idx="minor">
+            <a:schemeClr val="lt1"/>
+          </a:fontRef>
+        </p:style>
+        <p:txBody>
+          <a:bodyPr rtlCol="0" anchor="ctr"/>
+          <a:lstStyle/>
+          <a:p>
+            <a:pPr algn="ctr"/>
+            <a:endParaRPr lang="en-AT"/>
+          </a:p>
+        </p:txBody>
+      </p:sp>
+      <p:sp>
+        <p:nvSpPr>
+          <p:cNvPr id="14" name="Oval 13">
+            <a:extLst>
+              <a:ext uri="{FF2B5EF4-FFF2-40B4-BE49-F238E27FC236}">
+                <a16:creationId xmlns:a16="http://schemas.microsoft.com/office/drawing/2014/main" id="{90377A09-6E31-3A87-1B48-079CBF558015}"/>
+              </a:ext>
+            </a:extLst>
+          </p:cNvPr>
+          <p:cNvSpPr/>
+          <p:nvPr/>
+        </p:nvSpPr>
+        <p:spPr>
+          <a:xfrm>
+            <a:off x="6049850" y="3904539"/>
+            <a:ext cx="276906" cy="285750"/>
+          </a:xfrm>
+          <a:prstGeom prst="ellipse">
+            <a:avLst/>
+          </a:prstGeom>
+        </p:spPr>
+        <p:style>
+          <a:lnRef idx="2">
+            <a:schemeClr val="accent1">
+              <a:shade val="50000"/>
+            </a:schemeClr>
+          </a:lnRef>
+          <a:fillRef idx="1">
+            <a:schemeClr val="accent1"/>
+          </a:fillRef>
+          <a:effectRef idx="0">
+            <a:schemeClr val="accent1"/>
+          </a:effectRef>
+          <a:fontRef idx="minor">
+            <a:schemeClr val="lt1"/>
+          </a:fontRef>
+        </p:style>
+        <p:txBody>
+          <a:bodyPr rtlCol="0" anchor="ctr"/>
+          <a:lstStyle/>
+          <a:p>
+            <a:pPr algn="ctr"/>
+            <a:endParaRPr lang="en-AT"/>
+          </a:p>
+        </p:txBody>
+      </p:sp>
+      <p:sp>
+        <p:nvSpPr>
+          <p:cNvPr id="15" name="Oval 14">
+            <a:extLst>
+              <a:ext uri="{FF2B5EF4-FFF2-40B4-BE49-F238E27FC236}">
+                <a16:creationId xmlns:a16="http://schemas.microsoft.com/office/drawing/2014/main" id="{B49074BD-5150-56CC-E41C-AC14BCA842BA}"/>
+              </a:ext>
+            </a:extLst>
+          </p:cNvPr>
+          <p:cNvSpPr/>
+          <p:nvPr/>
+        </p:nvSpPr>
+        <p:spPr>
+          <a:xfrm>
+            <a:off x="6569648" y="3925177"/>
+            <a:ext cx="276906" cy="285750"/>
+          </a:xfrm>
+          <a:prstGeom prst="ellipse">
+            <a:avLst/>
+          </a:prstGeom>
+        </p:spPr>
+        <p:style>
+          <a:lnRef idx="2">
+            <a:schemeClr val="accent1">
+              <a:shade val="50000"/>
+            </a:schemeClr>
+          </a:lnRef>
+          <a:fillRef idx="1">
+            <a:schemeClr val="accent1"/>
+          </a:fillRef>
+          <a:effectRef idx="0">
+            <a:schemeClr val="accent1"/>
+          </a:effectRef>
+          <a:fontRef idx="minor">
+            <a:schemeClr val="lt1"/>
+          </a:fontRef>
+        </p:style>
+        <p:txBody>
+          <a:bodyPr rtlCol="0" anchor="ctr"/>
+          <a:lstStyle/>
+          <a:p>
+            <a:pPr algn="ctr"/>
+            <a:endParaRPr lang="en-AT"/>
+          </a:p>
+        </p:txBody>
+      </p:sp>
+      <p:sp>
+        <p:nvSpPr>
+          <p:cNvPr id="16" name="Oval 15">
+            <a:extLst>
+              <a:ext uri="{FF2B5EF4-FFF2-40B4-BE49-F238E27FC236}">
+                <a16:creationId xmlns:a16="http://schemas.microsoft.com/office/drawing/2014/main" id="{1987144B-9A82-8979-B294-9DD813505C72}"/>
+              </a:ext>
+            </a:extLst>
+          </p:cNvPr>
+          <p:cNvSpPr/>
+          <p:nvPr/>
+        </p:nvSpPr>
+        <p:spPr>
+          <a:xfrm>
+            <a:off x="6950993" y="4140283"/>
+            <a:ext cx="276906" cy="285750"/>
+          </a:xfrm>
+          <a:prstGeom prst="ellipse">
+            <a:avLst/>
+          </a:prstGeom>
+        </p:spPr>
+        <p:style>
+          <a:lnRef idx="2">
+            <a:schemeClr val="accent1">
+              <a:shade val="50000"/>
+            </a:schemeClr>
+          </a:lnRef>
+          <a:fillRef idx="1">
+            <a:schemeClr val="accent1"/>
+          </a:fillRef>
+          <a:effectRef idx="0">
+            <a:schemeClr val="accent1"/>
+          </a:effectRef>
+          <a:fontRef idx="minor">
+            <a:schemeClr val="lt1"/>
+          </a:fontRef>
+        </p:style>
+        <p:txBody>
+          <a:bodyPr rtlCol="0" anchor="ctr"/>
+          <a:lstStyle/>
+          <a:p>
+            <a:pPr algn="ctr"/>
+            <a:endParaRPr lang="en-AT"/>
+          </a:p>
+        </p:txBody>
+      </p:sp>
+      <p:cxnSp>
+        <p:nvCxnSpPr>
+          <p:cNvPr id="17" name="Straight Connector 16">
+            <a:extLst>
+              <a:ext uri="{FF2B5EF4-FFF2-40B4-BE49-F238E27FC236}">
+                <a16:creationId xmlns:a16="http://schemas.microsoft.com/office/drawing/2014/main" id="{97C95237-5185-31E4-7476-A459B3C5B893}"/>
+              </a:ext>
+            </a:extLst>
+          </p:cNvPr>
+          <p:cNvCxnSpPr>
+            <a:cxnSpLocks/>
+          </p:cNvCxnSpPr>
+          <p:nvPr/>
+        </p:nvCxnSpPr>
+        <p:spPr>
+          <a:xfrm flipV="1">
+            <a:off x="1609103" y="2305056"/>
+            <a:ext cx="8798378" cy="3471430"/>
+          </a:xfrm>
+          <a:prstGeom prst="line">
+            <a:avLst/>
+          </a:prstGeom>
+          <a:ln w="50800">
+            <a:solidFill>
+              <a:schemeClr val="accent2"/>
+            </a:solidFill>
+          </a:ln>
+        </p:spPr>
+        <p:style>
+          <a:lnRef idx="1">
+            <a:schemeClr val="accent1"/>
+          </a:lnRef>
+          <a:fillRef idx="0">
+            <a:schemeClr val="accent1"/>
+          </a:fillRef>
+          <a:effectRef idx="0">
+            <a:schemeClr val="accent1"/>
+          </a:effectRef>
+          <a:fontRef idx="minor">
+            <a:schemeClr val="tx1"/>
+          </a:fontRef>
+        </p:style>
+      </p:cxnSp>
+      <p:cxnSp>
+        <p:nvCxnSpPr>
+          <p:cNvPr id="18" name="Straight Connector 17">
+            <a:extLst>
+              <a:ext uri="{FF2B5EF4-FFF2-40B4-BE49-F238E27FC236}">
+                <a16:creationId xmlns:a16="http://schemas.microsoft.com/office/drawing/2014/main" id="{76485130-ED34-D483-09FB-47AA414F0D16}"/>
+              </a:ext>
+            </a:extLst>
+          </p:cNvPr>
+          <p:cNvCxnSpPr>
+            <a:cxnSpLocks/>
+          </p:cNvCxnSpPr>
+          <p:nvPr/>
+        </p:nvCxnSpPr>
+        <p:spPr>
+          <a:xfrm flipV="1">
+            <a:off x="710330" y="3819631"/>
+            <a:ext cx="9124760" cy="699293"/>
+          </a:xfrm>
+          <a:prstGeom prst="line">
+            <a:avLst/>
+          </a:prstGeom>
+          <a:ln w="50800">
+            <a:solidFill>
+              <a:srgbClr val="00B050"/>
+            </a:solidFill>
+          </a:ln>
+        </p:spPr>
+        <p:style>
+          <a:lnRef idx="1">
+            <a:schemeClr val="accent1"/>
+          </a:lnRef>
+          <a:fillRef idx="0">
+            <a:schemeClr val="accent1"/>
+          </a:fillRef>
+          <a:effectRef idx="0">
+            <a:schemeClr val="accent1"/>
+          </a:effectRef>
+          <a:fontRef idx="minor">
+            <a:schemeClr val="tx1"/>
+          </a:fontRef>
+        </p:style>
+      </p:cxnSp>
+      <mc:AlternateContent xmlns:mc="http://schemas.openxmlformats.org/markup-compatibility/2006" xmlns:a14="http://schemas.microsoft.com/office/drawing/2010/main">
+        <mc:Choice Requires="a14">
+          <p:sp>
+            <p:nvSpPr>
+              <p:cNvPr id="19" name="TextBox 18">
+                <a:extLst>
+                  <a:ext uri="{FF2B5EF4-FFF2-40B4-BE49-F238E27FC236}">
+                    <a16:creationId xmlns:a16="http://schemas.microsoft.com/office/drawing/2014/main" id="{6320B4D6-DF31-DFCA-1F47-86A43D8BA082}"/>
+                  </a:ext>
+                </a:extLst>
+              </p:cNvPr>
+              <p:cNvSpPr txBox="1"/>
+              <p:nvPr/>
+            </p:nvSpPr>
+            <p:spPr>
+              <a:xfrm>
+                <a:off x="8553790" y="3904539"/>
+                <a:ext cx="2205550" cy="584775"/>
+              </a:xfrm>
+              <a:prstGeom prst="rect">
+                <a:avLst/>
+              </a:prstGeom>
+              <a:noFill/>
+            </p:spPr>
+            <p:txBody>
+              <a:bodyPr wrap="square" rtlCol="0">
+                <a:spAutoFit/>
+              </a:bodyPr>
+              <a:lstStyle/>
+              <a:p>
+                <a:pPr/>
+                <a14:m>
+                  <m:oMathPara xmlns:m="http://schemas.openxmlformats.org/officeDocument/2006/math">
+                    <m:oMathParaPr>
+                      <m:jc m:val="centerGroup"/>
+                    </m:oMathParaPr>
+                    <m:oMath xmlns:m="http://schemas.openxmlformats.org/officeDocument/2006/math">
+                      <m:acc>
+                        <m:accPr>
+                          <m:chr m:val="̂"/>
+                          <m:ctrlPr>
+                            <a:rPr lang="en-GB" sz="3200" i="1" smtClean="0">
+                              <a:solidFill>
+                                <a:srgbClr val="00B050"/>
+                              </a:solidFill>
+                              <a:latin typeface="Cambria Math" panose="02040503050406030204" pitchFamily="18" charset="0"/>
+                            </a:rPr>
+                          </m:ctrlPr>
+                        </m:accPr>
+                        <m:e>
+                          <m:r>
+                            <a:rPr lang="de-DE" sz="3200" b="0" i="1" smtClean="0">
+                              <a:solidFill>
+                                <a:srgbClr val="00B050"/>
+                              </a:solidFill>
+                              <a:latin typeface="Cambria Math" panose="02040503050406030204" pitchFamily="18" charset="0"/>
+                            </a:rPr>
+                            <m:t>𝑦</m:t>
+                          </m:r>
+                        </m:e>
+                      </m:acc>
+                      <m:r>
+                        <a:rPr lang="de-DE" sz="3200" b="0" i="1" smtClean="0">
+                          <a:solidFill>
+                            <a:srgbClr val="00B050"/>
+                          </a:solidFill>
+                          <a:latin typeface="Cambria Math" panose="02040503050406030204" pitchFamily="18" charset="0"/>
+                        </a:rPr>
+                        <m:t>=</m:t>
+                      </m:r>
+                      <m:sSup>
+                        <m:sSupPr>
+                          <m:ctrlPr>
+                            <a:rPr lang="de-DE" sz="3200" b="0" i="1" smtClean="0">
+                              <a:solidFill>
+                                <a:srgbClr val="00B050"/>
+                              </a:solidFill>
+                              <a:latin typeface="Cambria Math" panose="02040503050406030204" pitchFamily="18" charset="0"/>
+                            </a:rPr>
+                          </m:ctrlPr>
+                        </m:sSupPr>
+                        <m:e>
+                          <m:r>
+                            <a:rPr lang="de-DE" sz="3200" b="0" i="1" smtClean="0">
+                              <a:solidFill>
+                                <a:srgbClr val="00B050"/>
+                              </a:solidFill>
+                              <a:latin typeface="Cambria Math" panose="02040503050406030204" pitchFamily="18" charset="0"/>
+                            </a:rPr>
+                            <m:t>h</m:t>
+                          </m:r>
+                        </m:e>
+                        <m:sup>
+                          <m:r>
+                            <a:rPr lang="de-DE" sz="3200" b="0" i="1" smtClean="0">
+                              <a:solidFill>
+                                <a:srgbClr val="00B050"/>
+                              </a:solidFill>
+                              <a:latin typeface="Cambria Math" panose="02040503050406030204" pitchFamily="18" charset="0"/>
+                            </a:rPr>
+                            <m:t>′</m:t>
+                          </m:r>
+                        </m:sup>
+                      </m:sSup>
+                      <m:r>
+                        <a:rPr lang="de-DE" sz="3200" b="0" i="1" smtClean="0">
+                          <a:solidFill>
+                            <a:srgbClr val="00B050"/>
+                          </a:solidFill>
+                          <a:latin typeface="Cambria Math" panose="02040503050406030204" pitchFamily="18" charset="0"/>
+                        </a:rPr>
+                        <m:t>(</m:t>
+                      </m:r>
+                      <m:r>
+                        <a:rPr lang="de-DE" sz="3200" b="0" i="1" smtClean="0">
+                          <a:solidFill>
+                            <a:srgbClr val="00B050"/>
+                          </a:solidFill>
+                          <a:latin typeface="Cambria Math" panose="02040503050406030204" pitchFamily="18" charset="0"/>
+                        </a:rPr>
+                        <m:t>𝑥</m:t>
+                      </m:r>
+                      <m:r>
+                        <a:rPr lang="de-DE" sz="3200" b="0" i="1" smtClean="0">
+                          <a:solidFill>
+                            <a:srgbClr val="00B050"/>
+                          </a:solidFill>
+                          <a:latin typeface="Cambria Math" panose="02040503050406030204" pitchFamily="18" charset="0"/>
+                        </a:rPr>
+                        <m:t>)</m:t>
+                      </m:r>
+                    </m:oMath>
+                  </m:oMathPara>
+                </a14:m>
+                <a:endParaRPr lang="en-GB" sz="3200" dirty="0">
+                  <a:solidFill>
+                    <a:srgbClr val="00B050"/>
+                  </a:solidFill>
+                </a:endParaRPr>
+              </a:p>
+            </p:txBody>
+          </p:sp>
+        </mc:Choice>
+        <mc:Fallback xmlns="">
+          <p:sp>
+            <p:nvSpPr>
+              <p:cNvPr id="19" name="TextBox 18">
+                <a:extLst>
+                  <a:ext uri="{FF2B5EF4-FFF2-40B4-BE49-F238E27FC236}">
+                    <a16:creationId xmlns:a16="http://schemas.microsoft.com/office/drawing/2014/main" id="{6320B4D6-DF31-DFCA-1F47-86A43D8BA082}"/>
+                  </a:ext>
+                </a:extLst>
+              </p:cNvPr>
+              <p:cNvSpPr txBox="1">
+                <a:spLocks noRot="1" noChangeAspect="1" noMove="1" noResize="1" noEditPoints="1" noAdjustHandles="1" noChangeArrowheads="1" noChangeShapeType="1" noTextEdit="1"/>
+              </p:cNvSpPr>
+              <p:nvPr/>
+            </p:nvSpPr>
+            <p:spPr>
+              <a:xfrm>
+                <a:off x="8553790" y="3904539"/>
+                <a:ext cx="2205550" cy="584775"/>
+              </a:xfrm>
+              <a:prstGeom prst="rect">
+                <a:avLst/>
+              </a:prstGeom>
+              <a:blipFill>
+                <a:blip r:embed="rId3"/>
+                <a:stretch>
+                  <a:fillRect t="-10638" b="-21277"/>
+                </a:stretch>
+              </a:blipFill>
+            </p:spPr>
+            <p:txBody>
+              <a:bodyPr/>
+              <a:lstStyle/>
+              <a:p>
+                <a:r>
+                  <a:rPr lang="en-GB">
+                    <a:noFill/>
+                  </a:rPr>
+                  <a:t> </a:t>
+                </a:r>
+              </a:p>
+            </p:txBody>
+          </p:sp>
+        </mc:Fallback>
+      </mc:AlternateContent>
+      <p:cxnSp>
+        <p:nvCxnSpPr>
+          <p:cNvPr id="20" name="Straight Arrow Connector 19">
+            <a:extLst>
+              <a:ext uri="{FF2B5EF4-FFF2-40B4-BE49-F238E27FC236}">
+                <a16:creationId xmlns:a16="http://schemas.microsoft.com/office/drawing/2014/main" id="{712D73C0-42A3-3BFA-AE4C-C81C2E99F175}"/>
+              </a:ext>
+            </a:extLst>
+          </p:cNvPr>
+          <p:cNvCxnSpPr>
+            <a:cxnSpLocks/>
+            <a:stCxn id="11" idx="4"/>
+          </p:cNvCxnSpPr>
+          <p:nvPr/>
+        </p:nvCxnSpPr>
+        <p:spPr>
+          <a:xfrm>
+            <a:off x="2302444" y="2754395"/>
+            <a:ext cx="0" cy="2748182"/>
+          </a:xfrm>
+          <a:prstGeom prst="straightConnector1">
+            <a:avLst/>
+          </a:prstGeom>
+          <a:ln w="50800">
+            <a:solidFill>
+              <a:schemeClr val="tx1"/>
+            </a:solidFill>
+            <a:headEnd type="triangle" w="lg" len="lg"/>
+            <a:tailEnd type="triangle" w="lg" len="lg"/>
+          </a:ln>
+        </p:spPr>
+        <p:style>
+          <a:lnRef idx="1">
+            <a:schemeClr val="accent1"/>
+          </a:lnRef>
+          <a:fillRef idx="0">
+            <a:schemeClr val="accent1"/>
+          </a:fillRef>
+          <a:effectRef idx="0">
+            <a:schemeClr val="accent1"/>
+          </a:effectRef>
+          <a:fontRef idx="minor">
+            <a:schemeClr val="tx1"/>
+          </a:fontRef>
+        </p:style>
+      </p:cxnSp>
+      <p:sp>
+        <p:nvSpPr>
+          <p:cNvPr id="21" name="TextBox 20">
+            <a:extLst>
+              <a:ext uri="{FF2B5EF4-FFF2-40B4-BE49-F238E27FC236}">
+                <a16:creationId xmlns:a16="http://schemas.microsoft.com/office/drawing/2014/main" id="{50082A5F-3570-2B7C-BED6-154C527959F5}"/>
+              </a:ext>
+            </a:extLst>
+          </p:cNvPr>
+          <p:cNvSpPr txBox="1"/>
+          <p:nvPr/>
+        </p:nvSpPr>
+        <p:spPr>
+          <a:xfrm>
+            <a:off x="1451386" y="3483277"/>
+            <a:ext cx="1198614" cy="584775"/>
+          </a:xfrm>
+          <a:prstGeom prst="rect">
+            <a:avLst/>
+          </a:prstGeom>
+          <a:noFill/>
+        </p:spPr>
+        <p:txBody>
+          <a:bodyPr wrap="square">
+            <a:spAutoFit/>
+          </a:bodyPr>
+          <a:lstStyle/>
+          <a:p>
+            <a:r>
+              <a:rPr lang="de-DE" sz="3200" dirty="0" err="1"/>
+              <a:t>loss</a:t>
+            </a:r>
+            <a:endParaRPr lang="de-DE" sz="3200" dirty="0"/>
+          </a:p>
+        </p:txBody>
+      </p:sp>
+      <p:pic>
+        <p:nvPicPr>
+          <p:cNvPr id="22" name="Picture 21" descr="Text, letter&#10;&#10;Description automatically generated">
+            <a:extLst>
+              <a:ext uri="{FF2B5EF4-FFF2-40B4-BE49-F238E27FC236}">
+                <a16:creationId xmlns:a16="http://schemas.microsoft.com/office/drawing/2014/main" id="{D685CF09-0950-C75D-941B-677E1F50296A}"/>
+              </a:ext>
+            </a:extLst>
+          </p:cNvPr>
+          <p:cNvPicPr>
+            <a:picLocks noChangeAspect="1"/>
+          </p:cNvPicPr>
+          <p:nvPr/>
+        </p:nvPicPr>
+        <p:blipFill rotWithShape="1">
+          <a:blip r:embed="rId4" cstate="email">
+            <a:extLst>
+              <a:ext uri="{28A0092B-C50C-407E-A947-70E740481C1C}">
+                <a14:useLocalDpi xmlns:a14="http://schemas.microsoft.com/office/drawing/2010/main"/>
+              </a:ext>
+            </a:extLst>
+          </a:blip>
+          <a:srcRect/>
+          <a:stretch/>
+        </p:blipFill>
+        <p:spPr>
+          <a:xfrm>
+            <a:off x="2430446" y="3234269"/>
+            <a:ext cx="2462537" cy="692863"/>
+          </a:xfrm>
+          <a:prstGeom prst="rect">
+            <a:avLst/>
+          </a:prstGeom>
+        </p:spPr>
+      </p:pic>
+      <p:pic>
+        <p:nvPicPr>
+          <p:cNvPr id="23" name="Picture 22" descr="Text, letter&#10;&#10;Description automatically generated">
+            <a:extLst>
+              <a:ext uri="{FF2B5EF4-FFF2-40B4-BE49-F238E27FC236}">
+                <a16:creationId xmlns:a16="http://schemas.microsoft.com/office/drawing/2014/main" id="{4667CEA0-6152-6FC6-CECD-03B062C778C3}"/>
+              </a:ext>
+            </a:extLst>
+          </p:cNvPr>
+          <p:cNvPicPr>
+            <a:picLocks noChangeAspect="1"/>
+          </p:cNvPicPr>
+          <p:nvPr/>
+        </p:nvPicPr>
+        <p:blipFill rotWithShape="1">
+          <a:blip r:embed="rId5" cstate="email">
+            <a:extLst>
+              <a:ext uri="{28A0092B-C50C-407E-A947-70E740481C1C}">
+                <a14:useLocalDpi xmlns:a14="http://schemas.microsoft.com/office/drawing/2010/main"/>
+              </a:ext>
+            </a:extLst>
+          </a:blip>
+          <a:srcRect/>
+          <a:stretch/>
+        </p:blipFill>
+        <p:spPr>
+          <a:xfrm>
+            <a:off x="1710024" y="1764172"/>
+            <a:ext cx="1749453" cy="657069"/>
+          </a:xfrm>
+          <a:prstGeom prst="rect">
+            <a:avLst/>
+          </a:prstGeom>
+        </p:spPr>
+      </p:pic>
+      <p:sp>
+        <p:nvSpPr>
+          <p:cNvPr id="24" name="TextBox 23">
+            <a:extLst>
+              <a:ext uri="{FF2B5EF4-FFF2-40B4-BE49-F238E27FC236}">
+                <a16:creationId xmlns:a16="http://schemas.microsoft.com/office/drawing/2014/main" id="{64F22CAD-908B-800B-5BF5-01EB2B7B2F9D}"/>
+              </a:ext>
+            </a:extLst>
+          </p:cNvPr>
+          <p:cNvSpPr txBox="1"/>
+          <p:nvPr/>
+        </p:nvSpPr>
+        <p:spPr>
+          <a:xfrm>
+            <a:off x="9753920" y="2564824"/>
+            <a:ext cx="1985223" cy="584775"/>
+          </a:xfrm>
+          <a:prstGeom prst="rect">
+            <a:avLst/>
+          </a:prstGeom>
+          <a:noFill/>
+        </p:spPr>
+        <p:txBody>
+          <a:bodyPr wrap="none" rtlCol="0">
+            <a:spAutoFit/>
+          </a:bodyPr>
+          <a:lstStyle/>
+          <a:p>
+            <a:r>
+              <a:rPr lang="en-US" sz="3200" dirty="0"/>
+              <a:t>hypothesis</a:t>
             </a:r>
           </a:p>
         </p:txBody>
@@ -5999,7 +8088,7 @@
     </p:spTree>
     <p:extLst>
       <p:ext uri="{BB962C8B-B14F-4D97-AF65-F5344CB8AC3E}">
-        <p14:creationId xmlns:p14="http://schemas.microsoft.com/office/powerpoint/2010/main" val="1768843011"/>
+        <p14:creationId xmlns:p14="http://schemas.microsoft.com/office/powerpoint/2010/main" val="299246790"/>
       </p:ext>
     </p:extLst>
   </p:cSld>
@@ -6028,6 +8117,1270 @@
       </p:grpSpPr>
       <p:sp>
         <p:nvSpPr>
+          <p:cNvPr id="2" name="Underrubrik 1">
+            <a:extLst>
+              <a:ext uri="{FF2B5EF4-FFF2-40B4-BE49-F238E27FC236}">
+                <a16:creationId xmlns:a16="http://schemas.microsoft.com/office/drawing/2014/main" id="{8783E7A2-971D-9496-000B-95D8CD4B47C2}"/>
+              </a:ext>
+            </a:extLst>
+          </p:cNvPr>
+          <p:cNvSpPr>
+            <a:spLocks noGrp="1"/>
+          </p:cNvSpPr>
+          <p:nvPr>
+            <p:ph type="subTitle" idx="1"/>
+          </p:nvPr>
+        </p:nvSpPr>
+        <p:spPr>
+          <a:xfrm>
+            <a:off x="871197" y="4723478"/>
+            <a:ext cx="4485991" cy="664857"/>
+          </a:xfrm>
+        </p:spPr>
+        <p:txBody>
+          <a:bodyPr/>
+          <a:lstStyle/>
+          <a:p>
+            <a:r>
+              <a:rPr lang="sv-SE" dirty="0"/>
+              <a:t>Jenny Hedström, Helena Holmlund, Vivika Halapuu, Ylva Ericsson</a:t>
+            </a:r>
+          </a:p>
+        </p:txBody>
+      </p:sp>
+      <p:sp>
+        <p:nvSpPr>
+          <p:cNvPr id="3" name="Rubrik 2">
+            <a:extLst>
+              <a:ext uri="{FF2B5EF4-FFF2-40B4-BE49-F238E27FC236}">
+                <a16:creationId xmlns:a16="http://schemas.microsoft.com/office/drawing/2014/main" id="{7CD27F7C-BD2B-8F1B-D9CC-92CEDDB9B408}"/>
+              </a:ext>
+            </a:extLst>
+          </p:cNvPr>
+          <p:cNvSpPr>
+            <a:spLocks noGrp="1"/>
+          </p:cNvSpPr>
+          <p:nvPr>
+            <p:ph type="title"/>
+          </p:nvPr>
+        </p:nvSpPr>
+        <p:spPr>
+          <a:xfrm>
+            <a:off x="871197" y="2315816"/>
+            <a:ext cx="10936489" cy="2216427"/>
+          </a:xfrm>
+        </p:spPr>
+        <p:txBody>
+          <a:bodyPr/>
+          <a:lstStyle/>
+          <a:p>
+            <a:r>
+              <a:rPr lang="en-GB" sz="3200" i="1" dirty="0">
+                <a:latin typeface="Public Sans"/>
+              </a:rPr>
+              <a:t>Profiling third country students to contribute to the evaluation of the internationalisation policy of higher education institutions</a:t>
+            </a:r>
+            <a:br>
+              <a:rPr lang="sv-SE" sz="3200" i="1" dirty="0"/>
+            </a:br>
+            <a:br>
+              <a:rPr lang="sv-SE" sz="3200" i="1" dirty="0"/>
+            </a:br>
+            <a:r>
+              <a:rPr lang="sv-SE" sz="2400" dirty="0">
+                <a:latin typeface="Public Sans"/>
+              </a:rPr>
+              <a:t>Project mid-presentation</a:t>
+            </a:r>
+          </a:p>
+        </p:txBody>
+      </p:sp>
+    </p:spTree>
+    <p:extLst>
+      <p:ext uri="{BB962C8B-B14F-4D97-AF65-F5344CB8AC3E}">
+        <p14:creationId xmlns:p14="http://schemas.microsoft.com/office/powerpoint/2010/main" val="1768843011"/>
+      </p:ext>
+    </p:extLst>
+  </p:cSld>
+  <p:clrMapOvr>
+    <a:masterClrMapping/>
+  </p:clrMapOvr>
+</p:sld>
+</file>
+
+<file path=ppt/slides/slide7.xml><?xml version="1.0" encoding="utf-8"?>
+<p:sld xmlns:a="http://schemas.openxmlformats.org/drawingml/2006/main" xmlns:r="http://schemas.openxmlformats.org/officeDocument/2006/relationships" xmlns:p="http://schemas.openxmlformats.org/presentationml/2006/main">
+  <p:cSld>
+    <p:spTree>
+      <p:nvGrpSpPr>
+        <p:cNvPr id="1" name=""/>
+        <p:cNvGrpSpPr/>
+        <p:nvPr/>
+      </p:nvGrpSpPr>
+      <p:grpSpPr>
+        <a:xfrm>
+          <a:off x="0" y="0"/>
+          <a:ext cx="0" cy="0"/>
+          <a:chOff x="0" y="0"/>
+          <a:chExt cx="0" cy="0"/>
+        </a:xfrm>
+      </p:grpSpPr>
+      <p:sp>
+        <p:nvSpPr>
+          <p:cNvPr id="4" name="Date Placeholder 3">
+            <a:extLst>
+              <a:ext uri="{FF2B5EF4-FFF2-40B4-BE49-F238E27FC236}">
+                <a16:creationId xmlns:a16="http://schemas.microsoft.com/office/drawing/2014/main" id="{3D680178-874A-27AD-43FD-E45F16307336}"/>
+              </a:ext>
+            </a:extLst>
+          </p:cNvPr>
+          <p:cNvSpPr>
+            <a:spLocks noGrp="1"/>
+          </p:cNvSpPr>
+          <p:nvPr>
+            <p:ph type="dt" sz="half" idx="10"/>
+          </p:nvPr>
+        </p:nvSpPr>
+        <p:spPr/>
+        <p:txBody>
+          <a:bodyPr/>
+          <a:lstStyle/>
+          <a:p>
+            <a:fld id="{09C2894A-47FF-4D4A-84EA-3327DF49E5B5}" type="datetime1">
+              <a:rPr lang="en-US" smtClean="0"/>
+              <a:t>5/20/24</a:t>
+            </a:fld>
+            <a:endParaRPr lang="en-GB" dirty="0"/>
+          </a:p>
+        </p:txBody>
+      </p:sp>
+      <p:sp>
+        <p:nvSpPr>
+          <p:cNvPr id="5" name="Slide Number Placeholder 4">
+            <a:extLst>
+              <a:ext uri="{FF2B5EF4-FFF2-40B4-BE49-F238E27FC236}">
+                <a16:creationId xmlns:a16="http://schemas.microsoft.com/office/drawing/2014/main" id="{E878AE3C-C42A-E001-F62F-66876CF73D7C}"/>
+              </a:ext>
+            </a:extLst>
+          </p:cNvPr>
+          <p:cNvSpPr>
+            <a:spLocks noGrp="1"/>
+          </p:cNvSpPr>
+          <p:nvPr>
+            <p:ph type="sldNum" sz="quarter" idx="12"/>
+          </p:nvPr>
+        </p:nvSpPr>
+        <p:spPr/>
+        <p:txBody>
+          <a:bodyPr/>
+          <a:lstStyle/>
+          <a:p>
+            <a:fld id="{6FD98A76-ED6B-D54E-BABE-E8A9BFC6A4C6}" type="slidenum">
+              <a:rPr lang="en-GB" smtClean="0"/>
+              <a:t>7</a:t>
+            </a:fld>
+            <a:endParaRPr lang="en-GB" dirty="0"/>
+          </a:p>
+        </p:txBody>
+      </p:sp>
+      <mc:AlternateContent xmlns:mc="http://schemas.openxmlformats.org/markup-compatibility/2006" xmlns:a14="http://schemas.microsoft.com/office/drawing/2010/main">
+        <mc:Choice Requires="a14">
+          <p:sp>
+            <p:nvSpPr>
+              <p:cNvPr id="6" name="TextBox 5">
+                <a:extLst>
+                  <a:ext uri="{FF2B5EF4-FFF2-40B4-BE49-F238E27FC236}">
+                    <a16:creationId xmlns:a16="http://schemas.microsoft.com/office/drawing/2014/main" id="{70F71B3E-60D8-4ED6-3E13-E0364328BA7F}"/>
+                  </a:ext>
+                </a:extLst>
+              </p:cNvPr>
+              <p:cNvSpPr txBox="1"/>
+              <p:nvPr/>
+            </p:nvSpPr>
+            <p:spPr>
+              <a:xfrm>
+                <a:off x="9415912" y="1672532"/>
+                <a:ext cx="1983137" cy="584775"/>
+              </a:xfrm>
+              <a:prstGeom prst="rect">
+                <a:avLst/>
+              </a:prstGeom>
+              <a:noFill/>
+            </p:spPr>
+            <p:txBody>
+              <a:bodyPr wrap="square" rtlCol="0">
+                <a:spAutoFit/>
+              </a:bodyPr>
+              <a:lstStyle/>
+              <a:p>
+                <a:pPr/>
+                <a14:m>
+                  <m:oMathPara xmlns:m="http://schemas.openxmlformats.org/officeDocument/2006/math">
+                    <m:oMathParaPr>
+                      <m:jc m:val="centerGroup"/>
+                    </m:oMathParaPr>
+                    <m:oMath xmlns:m="http://schemas.openxmlformats.org/officeDocument/2006/math">
+                      <m:acc>
+                        <m:accPr>
+                          <m:chr m:val="̂"/>
+                          <m:ctrlPr>
+                            <a:rPr lang="en-GB" sz="3200" i="1" smtClean="0">
+                              <a:solidFill>
+                                <a:schemeClr val="accent2"/>
+                              </a:solidFill>
+                              <a:latin typeface="Cambria Math" panose="02040503050406030204" pitchFamily="18" charset="0"/>
+                            </a:rPr>
+                          </m:ctrlPr>
+                        </m:accPr>
+                        <m:e>
+                          <m:r>
+                            <a:rPr lang="de-DE" sz="3200" b="0" i="1" smtClean="0">
+                              <a:solidFill>
+                                <a:schemeClr val="accent2"/>
+                              </a:solidFill>
+                              <a:latin typeface="Cambria Math" panose="02040503050406030204" pitchFamily="18" charset="0"/>
+                            </a:rPr>
+                            <m:t>𝑦</m:t>
+                          </m:r>
+                        </m:e>
+                      </m:acc>
+                      <m:r>
+                        <a:rPr lang="de-DE" sz="3200" b="0" i="1" smtClean="0">
+                          <a:solidFill>
+                            <a:schemeClr val="accent2"/>
+                          </a:solidFill>
+                          <a:latin typeface="Cambria Math" panose="02040503050406030204" pitchFamily="18" charset="0"/>
+                        </a:rPr>
+                        <m:t>=</m:t>
+                      </m:r>
+                      <m:r>
+                        <a:rPr lang="de-DE" sz="3200" b="0" i="1" smtClean="0">
+                          <a:solidFill>
+                            <a:schemeClr val="accent2"/>
+                          </a:solidFill>
+                          <a:latin typeface="Cambria Math" panose="02040503050406030204" pitchFamily="18" charset="0"/>
+                        </a:rPr>
+                        <m:t>h</m:t>
+                      </m:r>
+                      <m:r>
+                        <a:rPr lang="de-DE" sz="3200" b="0" i="1" smtClean="0">
+                          <a:solidFill>
+                            <a:schemeClr val="accent2"/>
+                          </a:solidFill>
+                          <a:latin typeface="Cambria Math" panose="02040503050406030204" pitchFamily="18" charset="0"/>
+                        </a:rPr>
+                        <m:t>(</m:t>
+                      </m:r>
+                      <m:r>
+                        <a:rPr lang="de-DE" sz="3200" b="0" i="1" smtClean="0">
+                          <a:solidFill>
+                            <a:schemeClr val="accent2"/>
+                          </a:solidFill>
+                          <a:latin typeface="Cambria Math" panose="02040503050406030204" pitchFamily="18" charset="0"/>
+                        </a:rPr>
+                        <m:t>𝑥</m:t>
+                      </m:r>
+                      <m:r>
+                        <a:rPr lang="de-DE" sz="3200" b="0" i="1" smtClean="0">
+                          <a:solidFill>
+                            <a:schemeClr val="accent2"/>
+                          </a:solidFill>
+                          <a:latin typeface="Cambria Math" panose="02040503050406030204" pitchFamily="18" charset="0"/>
+                        </a:rPr>
+                        <m:t>)</m:t>
+                      </m:r>
+                    </m:oMath>
+                  </m:oMathPara>
+                </a14:m>
+                <a:endParaRPr lang="en-GB" sz="3200" dirty="0">
+                  <a:solidFill>
+                    <a:schemeClr val="accent2"/>
+                  </a:solidFill>
+                </a:endParaRPr>
+              </a:p>
+            </p:txBody>
+          </p:sp>
+        </mc:Choice>
+        <mc:Fallback xmlns="">
+          <p:sp>
+            <p:nvSpPr>
+              <p:cNvPr id="6" name="TextBox 5">
+                <a:extLst>
+                  <a:ext uri="{FF2B5EF4-FFF2-40B4-BE49-F238E27FC236}">
+                    <a16:creationId xmlns:a16="http://schemas.microsoft.com/office/drawing/2014/main" id="{70F71B3E-60D8-4ED6-3E13-E0364328BA7F}"/>
+                  </a:ext>
+                </a:extLst>
+              </p:cNvPr>
+              <p:cNvSpPr txBox="1">
+                <a:spLocks noRot="1" noChangeAspect="1" noMove="1" noResize="1" noEditPoints="1" noAdjustHandles="1" noChangeArrowheads="1" noChangeShapeType="1" noTextEdit="1"/>
+              </p:cNvSpPr>
+              <p:nvPr/>
+            </p:nvSpPr>
+            <p:spPr>
+              <a:xfrm>
+                <a:off x="9415912" y="1672532"/>
+                <a:ext cx="1983137" cy="584775"/>
+              </a:xfrm>
+              <a:prstGeom prst="rect">
+                <a:avLst/>
+              </a:prstGeom>
+              <a:blipFill>
+                <a:blip r:embed="rId2"/>
+                <a:stretch>
+                  <a:fillRect t="-8511" b="-21277"/>
+                </a:stretch>
+              </a:blipFill>
+            </p:spPr>
+            <p:txBody>
+              <a:bodyPr/>
+              <a:lstStyle/>
+              <a:p>
+                <a:r>
+                  <a:rPr lang="en-GB">
+                    <a:noFill/>
+                  </a:rPr>
+                  <a:t> </a:t>
+                </a:r>
+              </a:p>
+            </p:txBody>
+          </p:sp>
+        </mc:Fallback>
+      </mc:AlternateContent>
+      <p:cxnSp>
+        <p:nvCxnSpPr>
+          <p:cNvPr id="7" name="Straight Arrow Connector 6">
+            <a:extLst>
+              <a:ext uri="{FF2B5EF4-FFF2-40B4-BE49-F238E27FC236}">
+                <a16:creationId xmlns:a16="http://schemas.microsoft.com/office/drawing/2014/main" id="{2E40092A-35DA-7B52-4E5B-9B4DEC4F47F0}"/>
+              </a:ext>
+            </a:extLst>
+          </p:cNvPr>
+          <p:cNvCxnSpPr>
+            <a:cxnSpLocks/>
+          </p:cNvCxnSpPr>
+          <p:nvPr/>
+        </p:nvCxnSpPr>
+        <p:spPr>
+          <a:xfrm>
+            <a:off x="1049225" y="5183270"/>
+            <a:ext cx="8446971" cy="0"/>
+          </a:xfrm>
+          <a:prstGeom prst="straightConnector1">
+            <a:avLst/>
+          </a:prstGeom>
+          <a:ln w="38100">
+            <a:solidFill>
+              <a:schemeClr val="tx1"/>
+            </a:solidFill>
+            <a:tailEnd type="triangle"/>
+          </a:ln>
+        </p:spPr>
+        <p:style>
+          <a:lnRef idx="1">
+            <a:schemeClr val="accent1"/>
+          </a:lnRef>
+          <a:fillRef idx="0">
+            <a:schemeClr val="accent1"/>
+          </a:fillRef>
+          <a:effectRef idx="0">
+            <a:schemeClr val="accent1"/>
+          </a:effectRef>
+          <a:fontRef idx="minor">
+            <a:schemeClr val="tx1"/>
+          </a:fontRef>
+        </p:style>
+      </p:cxnSp>
+      <p:cxnSp>
+        <p:nvCxnSpPr>
+          <p:cNvPr id="8" name="Straight Arrow Connector 7">
+            <a:extLst>
+              <a:ext uri="{FF2B5EF4-FFF2-40B4-BE49-F238E27FC236}">
+                <a16:creationId xmlns:a16="http://schemas.microsoft.com/office/drawing/2014/main" id="{73D3E3A6-A5D2-6156-E55D-0F62D60A4783}"/>
+              </a:ext>
+            </a:extLst>
+          </p:cNvPr>
+          <p:cNvCxnSpPr>
+            <a:cxnSpLocks/>
+          </p:cNvCxnSpPr>
+          <p:nvPr/>
+        </p:nvCxnSpPr>
+        <p:spPr>
+          <a:xfrm flipV="1">
+            <a:off x="1216253" y="1825709"/>
+            <a:ext cx="0" cy="3676868"/>
+          </a:xfrm>
+          <a:prstGeom prst="straightConnector1">
+            <a:avLst/>
+          </a:prstGeom>
+          <a:ln w="38100">
+            <a:solidFill>
+              <a:schemeClr val="tx1"/>
+            </a:solidFill>
+            <a:tailEnd type="triangle"/>
+          </a:ln>
+        </p:spPr>
+        <p:style>
+          <a:lnRef idx="1">
+            <a:schemeClr val="accent1"/>
+          </a:lnRef>
+          <a:fillRef idx="0">
+            <a:schemeClr val="accent1"/>
+          </a:fillRef>
+          <a:effectRef idx="0">
+            <a:schemeClr val="accent1"/>
+          </a:effectRef>
+          <a:fontRef idx="minor">
+            <a:schemeClr val="tx1"/>
+          </a:fontRef>
+        </p:style>
+      </p:cxnSp>
+      <p:sp>
+        <p:nvSpPr>
+          <p:cNvPr id="9" name="TextBox 8">
+            <a:extLst>
+              <a:ext uri="{FF2B5EF4-FFF2-40B4-BE49-F238E27FC236}">
+                <a16:creationId xmlns:a16="http://schemas.microsoft.com/office/drawing/2014/main" id="{CFA75488-67B6-CB39-1710-4EDCF9CB2D2B}"/>
+              </a:ext>
+            </a:extLst>
+          </p:cNvPr>
+          <p:cNvSpPr txBox="1"/>
+          <p:nvPr/>
+        </p:nvSpPr>
+        <p:spPr>
+          <a:xfrm>
+            <a:off x="9166242" y="5278768"/>
+            <a:ext cx="1662506" cy="584775"/>
+          </a:xfrm>
+          <a:prstGeom prst="rect">
+            <a:avLst/>
+          </a:prstGeom>
+          <a:noFill/>
+        </p:spPr>
+        <p:txBody>
+          <a:bodyPr wrap="none" rtlCol="0">
+            <a:spAutoFit/>
+          </a:bodyPr>
+          <a:lstStyle/>
+          <a:p>
+            <a:r>
+              <a:rPr lang="en-GB" sz="3200" dirty="0"/>
+              <a:t>feature</a:t>
+            </a:r>
+            <a:r>
+              <a:rPr lang="en-AT" sz="3200"/>
+              <a:t> x</a:t>
+            </a:r>
+          </a:p>
+        </p:txBody>
+      </p:sp>
+      <p:sp>
+        <p:nvSpPr>
+          <p:cNvPr id="10" name="TextBox 9">
+            <a:extLst>
+              <a:ext uri="{FF2B5EF4-FFF2-40B4-BE49-F238E27FC236}">
+                <a16:creationId xmlns:a16="http://schemas.microsoft.com/office/drawing/2014/main" id="{C86AA83D-2A8D-5C0A-DC48-45A42857D71E}"/>
+              </a:ext>
+            </a:extLst>
+          </p:cNvPr>
+          <p:cNvSpPr txBox="1"/>
+          <p:nvPr/>
+        </p:nvSpPr>
+        <p:spPr>
+          <a:xfrm>
+            <a:off x="308056" y="1201149"/>
+            <a:ext cx="1269899" cy="584775"/>
+          </a:xfrm>
+          <a:prstGeom prst="rect">
+            <a:avLst/>
+          </a:prstGeom>
+          <a:noFill/>
+        </p:spPr>
+        <p:txBody>
+          <a:bodyPr wrap="none" rtlCol="0">
+            <a:spAutoFit/>
+          </a:bodyPr>
+          <a:lstStyle/>
+          <a:p>
+            <a:r>
+              <a:rPr lang="en-GB" sz="3200" dirty="0"/>
+              <a:t>label</a:t>
+            </a:r>
+            <a:r>
+              <a:rPr lang="en-AT" sz="3200"/>
+              <a:t> y</a:t>
+            </a:r>
+          </a:p>
+        </p:txBody>
+      </p:sp>
+      <p:sp>
+        <p:nvSpPr>
+          <p:cNvPr id="11" name="Oval 10">
+            <a:extLst>
+              <a:ext uri="{FF2B5EF4-FFF2-40B4-BE49-F238E27FC236}">
+                <a16:creationId xmlns:a16="http://schemas.microsoft.com/office/drawing/2014/main" id="{063CCC22-DB28-32D3-10D4-012FE18C78D7}"/>
+              </a:ext>
+            </a:extLst>
+          </p:cNvPr>
+          <p:cNvSpPr/>
+          <p:nvPr/>
+        </p:nvSpPr>
+        <p:spPr>
+          <a:xfrm>
+            <a:off x="2163991" y="2468645"/>
+            <a:ext cx="276906" cy="285750"/>
+          </a:xfrm>
+          <a:prstGeom prst="ellipse">
+            <a:avLst/>
+          </a:prstGeom>
+        </p:spPr>
+        <p:style>
+          <a:lnRef idx="2">
+            <a:schemeClr val="accent1">
+              <a:shade val="50000"/>
+            </a:schemeClr>
+          </a:lnRef>
+          <a:fillRef idx="1">
+            <a:schemeClr val="accent1"/>
+          </a:fillRef>
+          <a:effectRef idx="0">
+            <a:schemeClr val="accent1"/>
+          </a:effectRef>
+          <a:fontRef idx="minor">
+            <a:schemeClr val="lt1"/>
+          </a:fontRef>
+        </p:style>
+        <p:txBody>
+          <a:bodyPr rtlCol="0" anchor="ctr"/>
+          <a:lstStyle/>
+          <a:p>
+            <a:pPr algn="ctr"/>
+            <a:endParaRPr lang="en-AT"/>
+          </a:p>
+        </p:txBody>
+      </p:sp>
+      <p:sp>
+        <p:nvSpPr>
+          <p:cNvPr id="12" name="Oval 11">
+            <a:extLst>
+              <a:ext uri="{FF2B5EF4-FFF2-40B4-BE49-F238E27FC236}">
+                <a16:creationId xmlns:a16="http://schemas.microsoft.com/office/drawing/2014/main" id="{B6FA16E1-5025-36DE-BE5F-DC69C76CCF0D}"/>
+              </a:ext>
+            </a:extLst>
+          </p:cNvPr>
+          <p:cNvSpPr/>
+          <p:nvPr/>
+        </p:nvSpPr>
+        <p:spPr>
+          <a:xfrm>
+            <a:off x="3882234" y="4998798"/>
+            <a:ext cx="276906" cy="285750"/>
+          </a:xfrm>
+          <a:prstGeom prst="ellipse">
+            <a:avLst/>
+          </a:prstGeom>
+        </p:spPr>
+        <p:style>
+          <a:lnRef idx="2">
+            <a:schemeClr val="accent1">
+              <a:shade val="50000"/>
+            </a:schemeClr>
+          </a:lnRef>
+          <a:fillRef idx="1">
+            <a:schemeClr val="accent1"/>
+          </a:fillRef>
+          <a:effectRef idx="0">
+            <a:schemeClr val="accent1"/>
+          </a:effectRef>
+          <a:fontRef idx="minor">
+            <a:schemeClr val="lt1"/>
+          </a:fontRef>
+        </p:style>
+        <p:txBody>
+          <a:bodyPr rtlCol="0" anchor="ctr"/>
+          <a:lstStyle/>
+          <a:p>
+            <a:pPr algn="ctr"/>
+            <a:endParaRPr lang="en-AT"/>
+          </a:p>
+        </p:txBody>
+      </p:sp>
+      <p:sp>
+        <p:nvSpPr>
+          <p:cNvPr id="13" name="Oval 12">
+            <a:extLst>
+              <a:ext uri="{FF2B5EF4-FFF2-40B4-BE49-F238E27FC236}">
+                <a16:creationId xmlns:a16="http://schemas.microsoft.com/office/drawing/2014/main" id="{D0BA3FA3-090C-CCFF-C2A0-3E908EB87CA8}"/>
+              </a:ext>
+            </a:extLst>
+          </p:cNvPr>
+          <p:cNvSpPr/>
+          <p:nvPr/>
+        </p:nvSpPr>
+        <p:spPr>
+          <a:xfrm>
+            <a:off x="6292742" y="4082339"/>
+            <a:ext cx="276906" cy="285750"/>
+          </a:xfrm>
+          <a:prstGeom prst="ellipse">
+            <a:avLst/>
+          </a:prstGeom>
+        </p:spPr>
+        <p:style>
+          <a:lnRef idx="2">
+            <a:schemeClr val="accent1">
+              <a:shade val="50000"/>
+            </a:schemeClr>
+          </a:lnRef>
+          <a:fillRef idx="1">
+            <a:schemeClr val="accent1"/>
+          </a:fillRef>
+          <a:effectRef idx="0">
+            <a:schemeClr val="accent1"/>
+          </a:effectRef>
+          <a:fontRef idx="minor">
+            <a:schemeClr val="lt1"/>
+          </a:fontRef>
+        </p:style>
+        <p:txBody>
+          <a:bodyPr rtlCol="0" anchor="ctr"/>
+          <a:lstStyle/>
+          <a:p>
+            <a:pPr algn="ctr"/>
+            <a:endParaRPr lang="en-AT"/>
+          </a:p>
+        </p:txBody>
+      </p:sp>
+      <p:sp>
+        <p:nvSpPr>
+          <p:cNvPr id="14" name="Oval 13">
+            <a:extLst>
+              <a:ext uri="{FF2B5EF4-FFF2-40B4-BE49-F238E27FC236}">
+                <a16:creationId xmlns:a16="http://schemas.microsoft.com/office/drawing/2014/main" id="{90377A09-6E31-3A87-1B48-079CBF558015}"/>
+              </a:ext>
+            </a:extLst>
+          </p:cNvPr>
+          <p:cNvSpPr/>
+          <p:nvPr/>
+        </p:nvSpPr>
+        <p:spPr>
+          <a:xfrm>
+            <a:off x="6049850" y="3904539"/>
+            <a:ext cx="276906" cy="285750"/>
+          </a:xfrm>
+          <a:prstGeom prst="ellipse">
+            <a:avLst/>
+          </a:prstGeom>
+        </p:spPr>
+        <p:style>
+          <a:lnRef idx="2">
+            <a:schemeClr val="accent1">
+              <a:shade val="50000"/>
+            </a:schemeClr>
+          </a:lnRef>
+          <a:fillRef idx="1">
+            <a:schemeClr val="accent1"/>
+          </a:fillRef>
+          <a:effectRef idx="0">
+            <a:schemeClr val="accent1"/>
+          </a:effectRef>
+          <a:fontRef idx="minor">
+            <a:schemeClr val="lt1"/>
+          </a:fontRef>
+        </p:style>
+        <p:txBody>
+          <a:bodyPr rtlCol="0" anchor="ctr"/>
+          <a:lstStyle/>
+          <a:p>
+            <a:pPr algn="ctr"/>
+            <a:endParaRPr lang="en-AT"/>
+          </a:p>
+        </p:txBody>
+      </p:sp>
+      <p:sp>
+        <p:nvSpPr>
+          <p:cNvPr id="15" name="Oval 14">
+            <a:extLst>
+              <a:ext uri="{FF2B5EF4-FFF2-40B4-BE49-F238E27FC236}">
+                <a16:creationId xmlns:a16="http://schemas.microsoft.com/office/drawing/2014/main" id="{B49074BD-5150-56CC-E41C-AC14BCA842BA}"/>
+              </a:ext>
+            </a:extLst>
+          </p:cNvPr>
+          <p:cNvSpPr/>
+          <p:nvPr/>
+        </p:nvSpPr>
+        <p:spPr>
+          <a:xfrm>
+            <a:off x="6569648" y="3925177"/>
+            <a:ext cx="276906" cy="285750"/>
+          </a:xfrm>
+          <a:prstGeom prst="ellipse">
+            <a:avLst/>
+          </a:prstGeom>
+        </p:spPr>
+        <p:style>
+          <a:lnRef idx="2">
+            <a:schemeClr val="accent1">
+              <a:shade val="50000"/>
+            </a:schemeClr>
+          </a:lnRef>
+          <a:fillRef idx="1">
+            <a:schemeClr val="accent1"/>
+          </a:fillRef>
+          <a:effectRef idx="0">
+            <a:schemeClr val="accent1"/>
+          </a:effectRef>
+          <a:fontRef idx="minor">
+            <a:schemeClr val="lt1"/>
+          </a:fontRef>
+        </p:style>
+        <p:txBody>
+          <a:bodyPr rtlCol="0" anchor="ctr"/>
+          <a:lstStyle/>
+          <a:p>
+            <a:pPr algn="ctr"/>
+            <a:endParaRPr lang="en-AT"/>
+          </a:p>
+        </p:txBody>
+      </p:sp>
+      <p:sp>
+        <p:nvSpPr>
+          <p:cNvPr id="16" name="Oval 15">
+            <a:extLst>
+              <a:ext uri="{FF2B5EF4-FFF2-40B4-BE49-F238E27FC236}">
+                <a16:creationId xmlns:a16="http://schemas.microsoft.com/office/drawing/2014/main" id="{1987144B-9A82-8979-B294-9DD813505C72}"/>
+              </a:ext>
+            </a:extLst>
+          </p:cNvPr>
+          <p:cNvSpPr/>
+          <p:nvPr/>
+        </p:nvSpPr>
+        <p:spPr>
+          <a:xfrm>
+            <a:off x="6950993" y="4140283"/>
+            <a:ext cx="276906" cy="285750"/>
+          </a:xfrm>
+          <a:prstGeom prst="ellipse">
+            <a:avLst/>
+          </a:prstGeom>
+        </p:spPr>
+        <p:style>
+          <a:lnRef idx="2">
+            <a:schemeClr val="accent1">
+              <a:shade val="50000"/>
+            </a:schemeClr>
+          </a:lnRef>
+          <a:fillRef idx="1">
+            <a:schemeClr val="accent1"/>
+          </a:fillRef>
+          <a:effectRef idx="0">
+            <a:schemeClr val="accent1"/>
+          </a:effectRef>
+          <a:fontRef idx="minor">
+            <a:schemeClr val="lt1"/>
+          </a:fontRef>
+        </p:style>
+        <p:txBody>
+          <a:bodyPr rtlCol="0" anchor="ctr"/>
+          <a:lstStyle/>
+          <a:p>
+            <a:pPr algn="ctr"/>
+            <a:endParaRPr lang="en-AT"/>
+          </a:p>
+        </p:txBody>
+      </p:sp>
+      <p:cxnSp>
+        <p:nvCxnSpPr>
+          <p:cNvPr id="17" name="Straight Connector 16">
+            <a:extLst>
+              <a:ext uri="{FF2B5EF4-FFF2-40B4-BE49-F238E27FC236}">
+                <a16:creationId xmlns:a16="http://schemas.microsoft.com/office/drawing/2014/main" id="{97C95237-5185-31E4-7476-A459B3C5B893}"/>
+              </a:ext>
+            </a:extLst>
+          </p:cNvPr>
+          <p:cNvCxnSpPr>
+            <a:cxnSpLocks/>
+          </p:cNvCxnSpPr>
+          <p:nvPr/>
+        </p:nvCxnSpPr>
+        <p:spPr>
+          <a:xfrm flipV="1">
+            <a:off x="1609103" y="2305056"/>
+            <a:ext cx="8798378" cy="3471430"/>
+          </a:xfrm>
+          <a:prstGeom prst="line">
+            <a:avLst/>
+          </a:prstGeom>
+          <a:ln w="50800">
+            <a:solidFill>
+              <a:schemeClr val="accent2"/>
+            </a:solidFill>
+          </a:ln>
+        </p:spPr>
+        <p:style>
+          <a:lnRef idx="1">
+            <a:schemeClr val="accent1"/>
+          </a:lnRef>
+          <a:fillRef idx="0">
+            <a:schemeClr val="accent1"/>
+          </a:fillRef>
+          <a:effectRef idx="0">
+            <a:schemeClr val="accent1"/>
+          </a:effectRef>
+          <a:fontRef idx="minor">
+            <a:schemeClr val="tx1"/>
+          </a:fontRef>
+        </p:style>
+      </p:cxnSp>
+      <p:cxnSp>
+        <p:nvCxnSpPr>
+          <p:cNvPr id="18" name="Straight Connector 17">
+            <a:extLst>
+              <a:ext uri="{FF2B5EF4-FFF2-40B4-BE49-F238E27FC236}">
+                <a16:creationId xmlns:a16="http://schemas.microsoft.com/office/drawing/2014/main" id="{76485130-ED34-D483-09FB-47AA414F0D16}"/>
+              </a:ext>
+            </a:extLst>
+          </p:cNvPr>
+          <p:cNvCxnSpPr>
+            <a:cxnSpLocks/>
+          </p:cNvCxnSpPr>
+          <p:nvPr/>
+        </p:nvCxnSpPr>
+        <p:spPr>
+          <a:xfrm flipV="1">
+            <a:off x="710330" y="3819631"/>
+            <a:ext cx="9124760" cy="699293"/>
+          </a:xfrm>
+          <a:prstGeom prst="line">
+            <a:avLst/>
+          </a:prstGeom>
+          <a:ln w="50800">
+            <a:solidFill>
+              <a:srgbClr val="00B050"/>
+            </a:solidFill>
+          </a:ln>
+        </p:spPr>
+        <p:style>
+          <a:lnRef idx="1">
+            <a:schemeClr val="accent1"/>
+          </a:lnRef>
+          <a:fillRef idx="0">
+            <a:schemeClr val="accent1"/>
+          </a:fillRef>
+          <a:effectRef idx="0">
+            <a:schemeClr val="accent1"/>
+          </a:effectRef>
+          <a:fontRef idx="minor">
+            <a:schemeClr val="tx1"/>
+          </a:fontRef>
+        </p:style>
+      </p:cxnSp>
+      <mc:AlternateContent xmlns:mc="http://schemas.openxmlformats.org/markup-compatibility/2006" xmlns:a14="http://schemas.microsoft.com/office/drawing/2010/main">
+        <mc:Choice Requires="a14">
+          <p:sp>
+            <p:nvSpPr>
+              <p:cNvPr id="19" name="TextBox 18">
+                <a:extLst>
+                  <a:ext uri="{FF2B5EF4-FFF2-40B4-BE49-F238E27FC236}">
+                    <a16:creationId xmlns:a16="http://schemas.microsoft.com/office/drawing/2014/main" id="{6320B4D6-DF31-DFCA-1F47-86A43D8BA082}"/>
+                  </a:ext>
+                </a:extLst>
+              </p:cNvPr>
+              <p:cNvSpPr txBox="1"/>
+              <p:nvPr/>
+            </p:nvSpPr>
+            <p:spPr>
+              <a:xfrm>
+                <a:off x="8553790" y="3904539"/>
+                <a:ext cx="2205550" cy="584775"/>
+              </a:xfrm>
+              <a:prstGeom prst="rect">
+                <a:avLst/>
+              </a:prstGeom>
+              <a:noFill/>
+            </p:spPr>
+            <p:txBody>
+              <a:bodyPr wrap="square" rtlCol="0">
+                <a:spAutoFit/>
+              </a:bodyPr>
+              <a:lstStyle/>
+              <a:p>
+                <a:pPr/>
+                <a14:m>
+                  <m:oMathPara xmlns:m="http://schemas.openxmlformats.org/officeDocument/2006/math">
+                    <m:oMathParaPr>
+                      <m:jc m:val="centerGroup"/>
+                    </m:oMathParaPr>
+                    <m:oMath xmlns:m="http://schemas.openxmlformats.org/officeDocument/2006/math">
+                      <m:acc>
+                        <m:accPr>
+                          <m:chr m:val="̂"/>
+                          <m:ctrlPr>
+                            <a:rPr lang="en-GB" sz="3200" i="1" smtClean="0">
+                              <a:solidFill>
+                                <a:srgbClr val="00B050"/>
+                              </a:solidFill>
+                              <a:latin typeface="Cambria Math" panose="02040503050406030204" pitchFamily="18" charset="0"/>
+                            </a:rPr>
+                          </m:ctrlPr>
+                        </m:accPr>
+                        <m:e>
+                          <m:r>
+                            <a:rPr lang="de-DE" sz="3200" b="0" i="1" smtClean="0">
+                              <a:solidFill>
+                                <a:srgbClr val="00B050"/>
+                              </a:solidFill>
+                              <a:latin typeface="Cambria Math" panose="02040503050406030204" pitchFamily="18" charset="0"/>
+                            </a:rPr>
+                            <m:t>𝑦</m:t>
+                          </m:r>
+                        </m:e>
+                      </m:acc>
+                      <m:r>
+                        <a:rPr lang="de-DE" sz="3200" b="0" i="1" smtClean="0">
+                          <a:solidFill>
+                            <a:srgbClr val="00B050"/>
+                          </a:solidFill>
+                          <a:latin typeface="Cambria Math" panose="02040503050406030204" pitchFamily="18" charset="0"/>
+                        </a:rPr>
+                        <m:t>=</m:t>
+                      </m:r>
+                      <m:sSup>
+                        <m:sSupPr>
+                          <m:ctrlPr>
+                            <a:rPr lang="de-DE" sz="3200" b="0" i="1" smtClean="0">
+                              <a:solidFill>
+                                <a:srgbClr val="00B050"/>
+                              </a:solidFill>
+                              <a:latin typeface="Cambria Math" panose="02040503050406030204" pitchFamily="18" charset="0"/>
+                            </a:rPr>
+                          </m:ctrlPr>
+                        </m:sSupPr>
+                        <m:e>
+                          <m:r>
+                            <a:rPr lang="de-DE" sz="3200" b="0" i="1" smtClean="0">
+                              <a:solidFill>
+                                <a:srgbClr val="00B050"/>
+                              </a:solidFill>
+                              <a:latin typeface="Cambria Math" panose="02040503050406030204" pitchFamily="18" charset="0"/>
+                            </a:rPr>
+                            <m:t>h</m:t>
+                          </m:r>
+                        </m:e>
+                        <m:sup>
+                          <m:r>
+                            <a:rPr lang="de-DE" sz="3200" b="0" i="1" smtClean="0">
+                              <a:solidFill>
+                                <a:srgbClr val="00B050"/>
+                              </a:solidFill>
+                              <a:latin typeface="Cambria Math" panose="02040503050406030204" pitchFamily="18" charset="0"/>
+                            </a:rPr>
+                            <m:t>′</m:t>
+                          </m:r>
+                        </m:sup>
+                      </m:sSup>
+                      <m:r>
+                        <a:rPr lang="de-DE" sz="3200" b="0" i="1" smtClean="0">
+                          <a:solidFill>
+                            <a:srgbClr val="00B050"/>
+                          </a:solidFill>
+                          <a:latin typeface="Cambria Math" panose="02040503050406030204" pitchFamily="18" charset="0"/>
+                        </a:rPr>
+                        <m:t>(</m:t>
+                      </m:r>
+                      <m:r>
+                        <a:rPr lang="de-DE" sz="3200" b="0" i="1" smtClean="0">
+                          <a:solidFill>
+                            <a:srgbClr val="00B050"/>
+                          </a:solidFill>
+                          <a:latin typeface="Cambria Math" panose="02040503050406030204" pitchFamily="18" charset="0"/>
+                        </a:rPr>
+                        <m:t>𝑥</m:t>
+                      </m:r>
+                      <m:r>
+                        <a:rPr lang="de-DE" sz="3200" b="0" i="1" smtClean="0">
+                          <a:solidFill>
+                            <a:srgbClr val="00B050"/>
+                          </a:solidFill>
+                          <a:latin typeface="Cambria Math" panose="02040503050406030204" pitchFamily="18" charset="0"/>
+                        </a:rPr>
+                        <m:t>)</m:t>
+                      </m:r>
+                    </m:oMath>
+                  </m:oMathPara>
+                </a14:m>
+                <a:endParaRPr lang="en-GB" sz="3200" dirty="0">
+                  <a:solidFill>
+                    <a:srgbClr val="00B050"/>
+                  </a:solidFill>
+                </a:endParaRPr>
+              </a:p>
+            </p:txBody>
+          </p:sp>
+        </mc:Choice>
+        <mc:Fallback xmlns="">
+          <p:sp>
+            <p:nvSpPr>
+              <p:cNvPr id="19" name="TextBox 18">
+                <a:extLst>
+                  <a:ext uri="{FF2B5EF4-FFF2-40B4-BE49-F238E27FC236}">
+                    <a16:creationId xmlns:a16="http://schemas.microsoft.com/office/drawing/2014/main" id="{6320B4D6-DF31-DFCA-1F47-86A43D8BA082}"/>
+                  </a:ext>
+                </a:extLst>
+              </p:cNvPr>
+              <p:cNvSpPr txBox="1">
+                <a:spLocks noRot="1" noChangeAspect="1" noMove="1" noResize="1" noEditPoints="1" noAdjustHandles="1" noChangeArrowheads="1" noChangeShapeType="1" noTextEdit="1"/>
+              </p:cNvSpPr>
+              <p:nvPr/>
+            </p:nvSpPr>
+            <p:spPr>
+              <a:xfrm>
+                <a:off x="8553790" y="3904539"/>
+                <a:ext cx="2205550" cy="584775"/>
+              </a:xfrm>
+              <a:prstGeom prst="rect">
+                <a:avLst/>
+              </a:prstGeom>
+              <a:blipFill>
+                <a:blip r:embed="rId3"/>
+                <a:stretch>
+                  <a:fillRect t="-10638" b="-21277"/>
+                </a:stretch>
+              </a:blipFill>
+            </p:spPr>
+            <p:txBody>
+              <a:bodyPr/>
+              <a:lstStyle/>
+              <a:p>
+                <a:r>
+                  <a:rPr lang="en-GB">
+                    <a:noFill/>
+                  </a:rPr>
+                  <a:t> </a:t>
+                </a:r>
+              </a:p>
+            </p:txBody>
+          </p:sp>
+        </mc:Fallback>
+      </mc:AlternateContent>
+      <p:cxnSp>
+        <p:nvCxnSpPr>
+          <p:cNvPr id="20" name="Straight Arrow Connector 19">
+            <a:extLst>
+              <a:ext uri="{FF2B5EF4-FFF2-40B4-BE49-F238E27FC236}">
+                <a16:creationId xmlns:a16="http://schemas.microsoft.com/office/drawing/2014/main" id="{712D73C0-42A3-3BFA-AE4C-C81C2E99F175}"/>
+              </a:ext>
+            </a:extLst>
+          </p:cNvPr>
+          <p:cNvCxnSpPr>
+            <a:cxnSpLocks/>
+            <a:stCxn id="11" idx="4"/>
+          </p:cNvCxnSpPr>
+          <p:nvPr/>
+        </p:nvCxnSpPr>
+        <p:spPr>
+          <a:xfrm>
+            <a:off x="2302444" y="2754395"/>
+            <a:ext cx="0" cy="2748182"/>
+          </a:xfrm>
+          <a:prstGeom prst="straightConnector1">
+            <a:avLst/>
+          </a:prstGeom>
+          <a:ln w="50800">
+            <a:solidFill>
+              <a:schemeClr val="tx1"/>
+            </a:solidFill>
+            <a:headEnd type="triangle" w="lg" len="lg"/>
+            <a:tailEnd type="triangle" w="lg" len="lg"/>
+          </a:ln>
+        </p:spPr>
+        <p:style>
+          <a:lnRef idx="1">
+            <a:schemeClr val="accent1"/>
+          </a:lnRef>
+          <a:fillRef idx="0">
+            <a:schemeClr val="accent1"/>
+          </a:fillRef>
+          <a:effectRef idx="0">
+            <a:schemeClr val="accent1"/>
+          </a:effectRef>
+          <a:fontRef idx="minor">
+            <a:schemeClr val="tx1"/>
+          </a:fontRef>
+        </p:style>
+      </p:cxnSp>
+      <p:sp>
+        <p:nvSpPr>
+          <p:cNvPr id="21" name="TextBox 20">
+            <a:extLst>
+              <a:ext uri="{FF2B5EF4-FFF2-40B4-BE49-F238E27FC236}">
+                <a16:creationId xmlns:a16="http://schemas.microsoft.com/office/drawing/2014/main" id="{50082A5F-3570-2B7C-BED6-154C527959F5}"/>
+              </a:ext>
+            </a:extLst>
+          </p:cNvPr>
+          <p:cNvSpPr txBox="1"/>
+          <p:nvPr/>
+        </p:nvSpPr>
+        <p:spPr>
+          <a:xfrm>
+            <a:off x="1451386" y="3483277"/>
+            <a:ext cx="1198614" cy="584775"/>
+          </a:xfrm>
+          <a:prstGeom prst="rect">
+            <a:avLst/>
+          </a:prstGeom>
+          <a:noFill/>
+        </p:spPr>
+        <p:txBody>
+          <a:bodyPr wrap="square">
+            <a:spAutoFit/>
+          </a:bodyPr>
+          <a:lstStyle/>
+          <a:p>
+            <a:r>
+              <a:rPr lang="de-DE" sz="3200" dirty="0" err="1"/>
+              <a:t>loss</a:t>
+            </a:r>
+            <a:endParaRPr lang="de-DE" sz="3200" dirty="0"/>
+          </a:p>
+        </p:txBody>
+      </p:sp>
+      <p:pic>
+        <p:nvPicPr>
+          <p:cNvPr id="22" name="Picture 21" descr="Text, letter&#10;&#10;Description automatically generated">
+            <a:extLst>
+              <a:ext uri="{FF2B5EF4-FFF2-40B4-BE49-F238E27FC236}">
+                <a16:creationId xmlns:a16="http://schemas.microsoft.com/office/drawing/2014/main" id="{D685CF09-0950-C75D-941B-677E1F50296A}"/>
+              </a:ext>
+            </a:extLst>
+          </p:cNvPr>
+          <p:cNvPicPr>
+            <a:picLocks noChangeAspect="1"/>
+          </p:cNvPicPr>
+          <p:nvPr/>
+        </p:nvPicPr>
+        <p:blipFill rotWithShape="1">
+          <a:blip r:embed="rId4" cstate="email">
+            <a:extLst>
+              <a:ext uri="{28A0092B-C50C-407E-A947-70E740481C1C}">
+                <a14:useLocalDpi xmlns:a14="http://schemas.microsoft.com/office/drawing/2010/main"/>
+              </a:ext>
+            </a:extLst>
+          </a:blip>
+          <a:srcRect/>
+          <a:stretch/>
+        </p:blipFill>
+        <p:spPr>
+          <a:xfrm>
+            <a:off x="2430446" y="3234269"/>
+            <a:ext cx="2462537" cy="692863"/>
+          </a:xfrm>
+          <a:prstGeom prst="rect">
+            <a:avLst/>
+          </a:prstGeom>
+        </p:spPr>
+      </p:pic>
+      <p:pic>
+        <p:nvPicPr>
+          <p:cNvPr id="23" name="Picture 22" descr="Text, letter&#10;&#10;Description automatically generated">
+            <a:extLst>
+              <a:ext uri="{FF2B5EF4-FFF2-40B4-BE49-F238E27FC236}">
+                <a16:creationId xmlns:a16="http://schemas.microsoft.com/office/drawing/2014/main" id="{4667CEA0-6152-6FC6-CECD-03B062C778C3}"/>
+              </a:ext>
+            </a:extLst>
+          </p:cNvPr>
+          <p:cNvPicPr>
+            <a:picLocks noChangeAspect="1"/>
+          </p:cNvPicPr>
+          <p:nvPr/>
+        </p:nvPicPr>
+        <p:blipFill rotWithShape="1">
+          <a:blip r:embed="rId5" cstate="email">
+            <a:extLst>
+              <a:ext uri="{28A0092B-C50C-407E-A947-70E740481C1C}">
+                <a14:useLocalDpi xmlns:a14="http://schemas.microsoft.com/office/drawing/2010/main"/>
+              </a:ext>
+            </a:extLst>
+          </a:blip>
+          <a:srcRect/>
+          <a:stretch/>
+        </p:blipFill>
+        <p:spPr>
+          <a:xfrm>
+            <a:off x="1710024" y="1764172"/>
+            <a:ext cx="1749453" cy="657069"/>
+          </a:xfrm>
+          <a:prstGeom prst="rect">
+            <a:avLst/>
+          </a:prstGeom>
+        </p:spPr>
+      </p:pic>
+      <p:sp>
+        <p:nvSpPr>
+          <p:cNvPr id="24" name="TextBox 23">
+            <a:extLst>
+              <a:ext uri="{FF2B5EF4-FFF2-40B4-BE49-F238E27FC236}">
+                <a16:creationId xmlns:a16="http://schemas.microsoft.com/office/drawing/2014/main" id="{64F22CAD-908B-800B-5BF5-01EB2B7B2F9D}"/>
+              </a:ext>
+            </a:extLst>
+          </p:cNvPr>
+          <p:cNvSpPr txBox="1"/>
+          <p:nvPr/>
+        </p:nvSpPr>
+        <p:spPr>
+          <a:xfrm>
+            <a:off x="9753920" y="2564824"/>
+            <a:ext cx="1985223" cy="584775"/>
+          </a:xfrm>
+          <a:prstGeom prst="rect">
+            <a:avLst/>
+          </a:prstGeom>
+          <a:noFill/>
+        </p:spPr>
+        <p:txBody>
+          <a:bodyPr wrap="none" rtlCol="0">
+            <a:spAutoFit/>
+          </a:bodyPr>
+          <a:lstStyle/>
+          <a:p>
+            <a:r>
+              <a:rPr lang="en-US" sz="3200" dirty="0"/>
+              <a:t>hypothesis</a:t>
+            </a:r>
+          </a:p>
+        </p:txBody>
+      </p:sp>
+    </p:spTree>
+    <p:extLst>
+      <p:ext uri="{BB962C8B-B14F-4D97-AF65-F5344CB8AC3E}">
+        <p14:creationId xmlns:p14="http://schemas.microsoft.com/office/powerpoint/2010/main" val="1161151693"/>
+      </p:ext>
+    </p:extLst>
+  </p:cSld>
+  <p:clrMapOvr>
+    <a:masterClrMapping/>
+  </p:clrMapOvr>
+</p:sld>
+</file>
+
+<file path=ppt/slides/slide8.xml><?xml version="1.0" encoding="utf-8"?>
+<p:sld xmlns:a="http://schemas.openxmlformats.org/drawingml/2006/main" xmlns:r="http://schemas.openxmlformats.org/officeDocument/2006/relationships" xmlns:p="http://schemas.openxmlformats.org/presentationml/2006/main">
+  <p:cSld>
+    <p:spTree>
+      <p:nvGrpSpPr>
+        <p:cNvPr id="1" name=""/>
+        <p:cNvGrpSpPr/>
+        <p:nvPr/>
+      </p:nvGrpSpPr>
+      <p:grpSpPr>
+        <a:xfrm>
+          <a:off x="0" y="0"/>
+          <a:ext cx="0" cy="0"/>
+          <a:chOff x="0" y="0"/>
+          <a:chExt cx="0" cy="0"/>
+        </a:xfrm>
+      </p:grpSpPr>
+      <p:sp>
+        <p:nvSpPr>
           <p:cNvPr id="2" name="Titel 1">
             <a:extLst>
               <a:ext uri="{FF2B5EF4-FFF2-40B4-BE49-F238E27FC236}">
@@ -6267,6 +9620,1160 @@
     <p:extLst>
       <p:ext uri="{BB962C8B-B14F-4D97-AF65-F5344CB8AC3E}">
         <p14:creationId xmlns:p14="http://schemas.microsoft.com/office/powerpoint/2010/main" val="1590566486"/>
+      </p:ext>
+    </p:extLst>
+  </p:cSld>
+  <p:clrMapOvr>
+    <a:masterClrMapping/>
+  </p:clrMapOvr>
+</p:sld>
+</file>
+
+<file path=ppt/slides/slide9.xml><?xml version="1.0" encoding="utf-8"?>
+<p:sld xmlns:a="http://schemas.openxmlformats.org/drawingml/2006/main" xmlns:r="http://schemas.openxmlformats.org/officeDocument/2006/relationships" xmlns:p="http://schemas.openxmlformats.org/presentationml/2006/main">
+  <p:cSld>
+    <p:spTree>
+      <p:nvGrpSpPr>
+        <p:cNvPr id="1" name=""/>
+        <p:cNvGrpSpPr/>
+        <p:nvPr/>
+      </p:nvGrpSpPr>
+      <p:grpSpPr>
+        <a:xfrm>
+          <a:off x="0" y="0"/>
+          <a:ext cx="0" cy="0"/>
+          <a:chOff x="0" y="0"/>
+          <a:chExt cx="0" cy="0"/>
+        </a:xfrm>
+      </p:grpSpPr>
+      <p:sp>
+        <p:nvSpPr>
+          <p:cNvPr id="4" name="Date Placeholder 3">
+            <a:extLst>
+              <a:ext uri="{FF2B5EF4-FFF2-40B4-BE49-F238E27FC236}">
+                <a16:creationId xmlns:a16="http://schemas.microsoft.com/office/drawing/2014/main" id="{3D680178-874A-27AD-43FD-E45F16307336}"/>
+              </a:ext>
+            </a:extLst>
+          </p:cNvPr>
+          <p:cNvSpPr>
+            <a:spLocks noGrp="1"/>
+          </p:cNvSpPr>
+          <p:nvPr>
+            <p:ph type="dt" sz="half" idx="10"/>
+          </p:nvPr>
+        </p:nvSpPr>
+        <p:spPr/>
+        <p:txBody>
+          <a:bodyPr/>
+          <a:lstStyle/>
+          <a:p>
+            <a:fld id="{09C2894A-47FF-4D4A-84EA-3327DF49E5B5}" type="datetime1">
+              <a:rPr lang="en-US" smtClean="0"/>
+              <a:t>5/20/24</a:t>
+            </a:fld>
+            <a:endParaRPr lang="en-GB" dirty="0"/>
+          </a:p>
+        </p:txBody>
+      </p:sp>
+      <p:sp>
+        <p:nvSpPr>
+          <p:cNvPr id="5" name="Slide Number Placeholder 4">
+            <a:extLst>
+              <a:ext uri="{FF2B5EF4-FFF2-40B4-BE49-F238E27FC236}">
+                <a16:creationId xmlns:a16="http://schemas.microsoft.com/office/drawing/2014/main" id="{E878AE3C-C42A-E001-F62F-66876CF73D7C}"/>
+              </a:ext>
+            </a:extLst>
+          </p:cNvPr>
+          <p:cNvSpPr>
+            <a:spLocks noGrp="1"/>
+          </p:cNvSpPr>
+          <p:nvPr>
+            <p:ph type="sldNum" sz="quarter" idx="12"/>
+          </p:nvPr>
+        </p:nvSpPr>
+        <p:spPr/>
+        <p:txBody>
+          <a:bodyPr/>
+          <a:lstStyle/>
+          <a:p>
+            <a:fld id="{6FD98A76-ED6B-D54E-BABE-E8A9BFC6A4C6}" type="slidenum">
+              <a:rPr lang="en-GB" smtClean="0"/>
+              <a:t>9</a:t>
+            </a:fld>
+            <a:endParaRPr lang="en-GB" dirty="0"/>
+          </a:p>
+        </p:txBody>
+      </p:sp>
+      <mc:AlternateContent xmlns:mc="http://schemas.openxmlformats.org/markup-compatibility/2006" xmlns:a14="http://schemas.microsoft.com/office/drawing/2010/main">
+        <mc:Choice Requires="a14">
+          <p:sp>
+            <p:nvSpPr>
+              <p:cNvPr id="6" name="TextBox 5">
+                <a:extLst>
+                  <a:ext uri="{FF2B5EF4-FFF2-40B4-BE49-F238E27FC236}">
+                    <a16:creationId xmlns:a16="http://schemas.microsoft.com/office/drawing/2014/main" id="{70F71B3E-60D8-4ED6-3E13-E0364328BA7F}"/>
+                  </a:ext>
+                </a:extLst>
+              </p:cNvPr>
+              <p:cNvSpPr txBox="1"/>
+              <p:nvPr/>
+            </p:nvSpPr>
+            <p:spPr>
+              <a:xfrm>
+                <a:off x="9415912" y="1672532"/>
+                <a:ext cx="1983137" cy="584775"/>
+              </a:xfrm>
+              <a:prstGeom prst="rect">
+                <a:avLst/>
+              </a:prstGeom>
+              <a:noFill/>
+            </p:spPr>
+            <p:txBody>
+              <a:bodyPr wrap="square" rtlCol="0">
+                <a:spAutoFit/>
+              </a:bodyPr>
+              <a:lstStyle/>
+              <a:p>
+                <a:pPr/>
+                <a14:m>
+                  <m:oMathPara xmlns:m="http://schemas.openxmlformats.org/officeDocument/2006/math">
+                    <m:oMathParaPr>
+                      <m:jc m:val="centerGroup"/>
+                    </m:oMathParaPr>
+                    <m:oMath xmlns:m="http://schemas.openxmlformats.org/officeDocument/2006/math">
+                      <m:acc>
+                        <m:accPr>
+                          <m:chr m:val="̂"/>
+                          <m:ctrlPr>
+                            <a:rPr lang="en-GB" sz="3200" i="1" smtClean="0">
+                              <a:solidFill>
+                                <a:schemeClr val="accent2"/>
+                              </a:solidFill>
+                              <a:latin typeface="Cambria Math" panose="02040503050406030204" pitchFamily="18" charset="0"/>
+                            </a:rPr>
+                          </m:ctrlPr>
+                        </m:accPr>
+                        <m:e>
+                          <m:r>
+                            <a:rPr lang="de-DE" sz="3200" b="0" i="1" smtClean="0">
+                              <a:solidFill>
+                                <a:schemeClr val="accent2"/>
+                              </a:solidFill>
+                              <a:latin typeface="Cambria Math" panose="02040503050406030204" pitchFamily="18" charset="0"/>
+                            </a:rPr>
+                            <m:t>𝑦</m:t>
+                          </m:r>
+                        </m:e>
+                      </m:acc>
+                      <m:r>
+                        <a:rPr lang="de-DE" sz="3200" b="0" i="1" smtClean="0">
+                          <a:solidFill>
+                            <a:schemeClr val="accent2"/>
+                          </a:solidFill>
+                          <a:latin typeface="Cambria Math" panose="02040503050406030204" pitchFamily="18" charset="0"/>
+                        </a:rPr>
+                        <m:t>=</m:t>
+                      </m:r>
+                      <m:r>
+                        <a:rPr lang="de-DE" sz="3200" b="0" i="1" smtClean="0">
+                          <a:solidFill>
+                            <a:schemeClr val="accent2"/>
+                          </a:solidFill>
+                          <a:latin typeface="Cambria Math" panose="02040503050406030204" pitchFamily="18" charset="0"/>
+                        </a:rPr>
+                        <m:t>h</m:t>
+                      </m:r>
+                      <m:r>
+                        <a:rPr lang="de-DE" sz="3200" b="0" i="1" smtClean="0">
+                          <a:solidFill>
+                            <a:schemeClr val="accent2"/>
+                          </a:solidFill>
+                          <a:latin typeface="Cambria Math" panose="02040503050406030204" pitchFamily="18" charset="0"/>
+                        </a:rPr>
+                        <m:t>(</m:t>
+                      </m:r>
+                      <m:r>
+                        <a:rPr lang="de-DE" sz="3200" b="0" i="1" smtClean="0">
+                          <a:solidFill>
+                            <a:schemeClr val="accent2"/>
+                          </a:solidFill>
+                          <a:latin typeface="Cambria Math" panose="02040503050406030204" pitchFamily="18" charset="0"/>
+                        </a:rPr>
+                        <m:t>𝑥</m:t>
+                      </m:r>
+                      <m:r>
+                        <a:rPr lang="de-DE" sz="3200" b="0" i="1" smtClean="0">
+                          <a:solidFill>
+                            <a:schemeClr val="accent2"/>
+                          </a:solidFill>
+                          <a:latin typeface="Cambria Math" panose="02040503050406030204" pitchFamily="18" charset="0"/>
+                        </a:rPr>
+                        <m:t>)</m:t>
+                      </m:r>
+                    </m:oMath>
+                  </m:oMathPara>
+                </a14:m>
+                <a:endParaRPr lang="en-GB" sz="3200" dirty="0">
+                  <a:solidFill>
+                    <a:schemeClr val="accent2"/>
+                  </a:solidFill>
+                </a:endParaRPr>
+              </a:p>
+            </p:txBody>
+          </p:sp>
+        </mc:Choice>
+        <mc:Fallback xmlns="">
+          <p:sp>
+            <p:nvSpPr>
+              <p:cNvPr id="6" name="TextBox 5">
+                <a:extLst>
+                  <a:ext uri="{FF2B5EF4-FFF2-40B4-BE49-F238E27FC236}">
+                    <a16:creationId xmlns:a16="http://schemas.microsoft.com/office/drawing/2014/main" id="{70F71B3E-60D8-4ED6-3E13-E0364328BA7F}"/>
+                  </a:ext>
+                </a:extLst>
+              </p:cNvPr>
+              <p:cNvSpPr txBox="1">
+                <a:spLocks noRot="1" noChangeAspect="1" noMove="1" noResize="1" noEditPoints="1" noAdjustHandles="1" noChangeArrowheads="1" noChangeShapeType="1" noTextEdit="1"/>
+              </p:cNvSpPr>
+              <p:nvPr/>
+            </p:nvSpPr>
+            <p:spPr>
+              <a:xfrm>
+                <a:off x="9415912" y="1672532"/>
+                <a:ext cx="1983137" cy="584775"/>
+              </a:xfrm>
+              <a:prstGeom prst="rect">
+                <a:avLst/>
+              </a:prstGeom>
+              <a:blipFill>
+                <a:blip r:embed="rId2"/>
+                <a:stretch>
+                  <a:fillRect t="-8511" b="-21277"/>
+                </a:stretch>
+              </a:blipFill>
+            </p:spPr>
+            <p:txBody>
+              <a:bodyPr/>
+              <a:lstStyle/>
+              <a:p>
+                <a:r>
+                  <a:rPr lang="en-GB">
+                    <a:noFill/>
+                  </a:rPr>
+                  <a:t> </a:t>
+                </a:r>
+              </a:p>
+            </p:txBody>
+          </p:sp>
+        </mc:Fallback>
+      </mc:AlternateContent>
+      <p:cxnSp>
+        <p:nvCxnSpPr>
+          <p:cNvPr id="7" name="Straight Arrow Connector 6">
+            <a:extLst>
+              <a:ext uri="{FF2B5EF4-FFF2-40B4-BE49-F238E27FC236}">
+                <a16:creationId xmlns:a16="http://schemas.microsoft.com/office/drawing/2014/main" id="{2E40092A-35DA-7B52-4E5B-9B4DEC4F47F0}"/>
+              </a:ext>
+            </a:extLst>
+          </p:cNvPr>
+          <p:cNvCxnSpPr>
+            <a:cxnSpLocks/>
+          </p:cNvCxnSpPr>
+          <p:nvPr/>
+        </p:nvCxnSpPr>
+        <p:spPr>
+          <a:xfrm>
+            <a:off x="1049225" y="5183270"/>
+            <a:ext cx="8446971" cy="0"/>
+          </a:xfrm>
+          <a:prstGeom prst="straightConnector1">
+            <a:avLst/>
+          </a:prstGeom>
+          <a:ln w="38100">
+            <a:solidFill>
+              <a:schemeClr val="tx1"/>
+            </a:solidFill>
+            <a:tailEnd type="triangle"/>
+          </a:ln>
+        </p:spPr>
+        <p:style>
+          <a:lnRef idx="1">
+            <a:schemeClr val="accent1"/>
+          </a:lnRef>
+          <a:fillRef idx="0">
+            <a:schemeClr val="accent1"/>
+          </a:fillRef>
+          <a:effectRef idx="0">
+            <a:schemeClr val="accent1"/>
+          </a:effectRef>
+          <a:fontRef idx="minor">
+            <a:schemeClr val="tx1"/>
+          </a:fontRef>
+        </p:style>
+      </p:cxnSp>
+      <p:cxnSp>
+        <p:nvCxnSpPr>
+          <p:cNvPr id="8" name="Straight Arrow Connector 7">
+            <a:extLst>
+              <a:ext uri="{FF2B5EF4-FFF2-40B4-BE49-F238E27FC236}">
+                <a16:creationId xmlns:a16="http://schemas.microsoft.com/office/drawing/2014/main" id="{73D3E3A6-A5D2-6156-E55D-0F62D60A4783}"/>
+              </a:ext>
+            </a:extLst>
+          </p:cNvPr>
+          <p:cNvCxnSpPr>
+            <a:cxnSpLocks/>
+          </p:cNvCxnSpPr>
+          <p:nvPr/>
+        </p:nvCxnSpPr>
+        <p:spPr>
+          <a:xfrm flipV="1">
+            <a:off x="1216253" y="1825709"/>
+            <a:ext cx="0" cy="3676868"/>
+          </a:xfrm>
+          <a:prstGeom prst="straightConnector1">
+            <a:avLst/>
+          </a:prstGeom>
+          <a:ln w="38100">
+            <a:solidFill>
+              <a:schemeClr val="tx1"/>
+            </a:solidFill>
+            <a:tailEnd type="triangle"/>
+          </a:ln>
+        </p:spPr>
+        <p:style>
+          <a:lnRef idx="1">
+            <a:schemeClr val="accent1"/>
+          </a:lnRef>
+          <a:fillRef idx="0">
+            <a:schemeClr val="accent1"/>
+          </a:fillRef>
+          <a:effectRef idx="0">
+            <a:schemeClr val="accent1"/>
+          </a:effectRef>
+          <a:fontRef idx="minor">
+            <a:schemeClr val="tx1"/>
+          </a:fontRef>
+        </p:style>
+      </p:cxnSp>
+      <p:sp>
+        <p:nvSpPr>
+          <p:cNvPr id="9" name="TextBox 8">
+            <a:extLst>
+              <a:ext uri="{FF2B5EF4-FFF2-40B4-BE49-F238E27FC236}">
+                <a16:creationId xmlns:a16="http://schemas.microsoft.com/office/drawing/2014/main" id="{CFA75488-67B6-CB39-1710-4EDCF9CB2D2B}"/>
+              </a:ext>
+            </a:extLst>
+          </p:cNvPr>
+          <p:cNvSpPr txBox="1"/>
+          <p:nvPr/>
+        </p:nvSpPr>
+        <p:spPr>
+          <a:xfrm>
+            <a:off x="9166242" y="5278768"/>
+            <a:ext cx="1662506" cy="584775"/>
+          </a:xfrm>
+          <a:prstGeom prst="rect">
+            <a:avLst/>
+          </a:prstGeom>
+          <a:noFill/>
+        </p:spPr>
+        <p:txBody>
+          <a:bodyPr wrap="none" rtlCol="0">
+            <a:spAutoFit/>
+          </a:bodyPr>
+          <a:lstStyle/>
+          <a:p>
+            <a:r>
+              <a:rPr lang="en-GB" sz="3200" dirty="0"/>
+              <a:t>feature</a:t>
+            </a:r>
+            <a:r>
+              <a:rPr lang="en-AT" sz="3200"/>
+              <a:t> x</a:t>
+            </a:r>
+          </a:p>
+        </p:txBody>
+      </p:sp>
+      <p:sp>
+        <p:nvSpPr>
+          <p:cNvPr id="10" name="TextBox 9">
+            <a:extLst>
+              <a:ext uri="{FF2B5EF4-FFF2-40B4-BE49-F238E27FC236}">
+                <a16:creationId xmlns:a16="http://schemas.microsoft.com/office/drawing/2014/main" id="{C86AA83D-2A8D-5C0A-DC48-45A42857D71E}"/>
+              </a:ext>
+            </a:extLst>
+          </p:cNvPr>
+          <p:cNvSpPr txBox="1"/>
+          <p:nvPr/>
+        </p:nvSpPr>
+        <p:spPr>
+          <a:xfrm>
+            <a:off x="308056" y="1201149"/>
+            <a:ext cx="1269899" cy="584775"/>
+          </a:xfrm>
+          <a:prstGeom prst="rect">
+            <a:avLst/>
+          </a:prstGeom>
+          <a:noFill/>
+        </p:spPr>
+        <p:txBody>
+          <a:bodyPr wrap="none" rtlCol="0">
+            <a:spAutoFit/>
+          </a:bodyPr>
+          <a:lstStyle/>
+          <a:p>
+            <a:r>
+              <a:rPr lang="en-GB" sz="3200" dirty="0"/>
+              <a:t>label</a:t>
+            </a:r>
+            <a:r>
+              <a:rPr lang="en-AT" sz="3200"/>
+              <a:t> y</a:t>
+            </a:r>
+          </a:p>
+        </p:txBody>
+      </p:sp>
+      <p:sp>
+        <p:nvSpPr>
+          <p:cNvPr id="11" name="Oval 10">
+            <a:extLst>
+              <a:ext uri="{FF2B5EF4-FFF2-40B4-BE49-F238E27FC236}">
+                <a16:creationId xmlns:a16="http://schemas.microsoft.com/office/drawing/2014/main" id="{063CCC22-DB28-32D3-10D4-012FE18C78D7}"/>
+              </a:ext>
+            </a:extLst>
+          </p:cNvPr>
+          <p:cNvSpPr/>
+          <p:nvPr/>
+        </p:nvSpPr>
+        <p:spPr>
+          <a:xfrm>
+            <a:off x="2163991" y="2468645"/>
+            <a:ext cx="276906" cy="285750"/>
+          </a:xfrm>
+          <a:prstGeom prst="ellipse">
+            <a:avLst/>
+          </a:prstGeom>
+        </p:spPr>
+        <p:style>
+          <a:lnRef idx="2">
+            <a:schemeClr val="accent1">
+              <a:shade val="50000"/>
+            </a:schemeClr>
+          </a:lnRef>
+          <a:fillRef idx="1">
+            <a:schemeClr val="accent1"/>
+          </a:fillRef>
+          <a:effectRef idx="0">
+            <a:schemeClr val="accent1"/>
+          </a:effectRef>
+          <a:fontRef idx="minor">
+            <a:schemeClr val="lt1"/>
+          </a:fontRef>
+        </p:style>
+        <p:txBody>
+          <a:bodyPr rtlCol="0" anchor="ctr"/>
+          <a:lstStyle/>
+          <a:p>
+            <a:pPr algn="ctr"/>
+            <a:endParaRPr lang="en-AT"/>
+          </a:p>
+        </p:txBody>
+      </p:sp>
+      <p:sp>
+        <p:nvSpPr>
+          <p:cNvPr id="12" name="Oval 11">
+            <a:extLst>
+              <a:ext uri="{FF2B5EF4-FFF2-40B4-BE49-F238E27FC236}">
+                <a16:creationId xmlns:a16="http://schemas.microsoft.com/office/drawing/2014/main" id="{B6FA16E1-5025-36DE-BE5F-DC69C76CCF0D}"/>
+              </a:ext>
+            </a:extLst>
+          </p:cNvPr>
+          <p:cNvSpPr/>
+          <p:nvPr/>
+        </p:nvSpPr>
+        <p:spPr>
+          <a:xfrm>
+            <a:off x="3882234" y="4998798"/>
+            <a:ext cx="276906" cy="285750"/>
+          </a:xfrm>
+          <a:prstGeom prst="ellipse">
+            <a:avLst/>
+          </a:prstGeom>
+        </p:spPr>
+        <p:style>
+          <a:lnRef idx="2">
+            <a:schemeClr val="accent1">
+              <a:shade val="50000"/>
+            </a:schemeClr>
+          </a:lnRef>
+          <a:fillRef idx="1">
+            <a:schemeClr val="accent1"/>
+          </a:fillRef>
+          <a:effectRef idx="0">
+            <a:schemeClr val="accent1"/>
+          </a:effectRef>
+          <a:fontRef idx="minor">
+            <a:schemeClr val="lt1"/>
+          </a:fontRef>
+        </p:style>
+        <p:txBody>
+          <a:bodyPr rtlCol="0" anchor="ctr"/>
+          <a:lstStyle/>
+          <a:p>
+            <a:pPr algn="ctr"/>
+            <a:endParaRPr lang="en-AT"/>
+          </a:p>
+        </p:txBody>
+      </p:sp>
+      <p:sp>
+        <p:nvSpPr>
+          <p:cNvPr id="13" name="Oval 12">
+            <a:extLst>
+              <a:ext uri="{FF2B5EF4-FFF2-40B4-BE49-F238E27FC236}">
+                <a16:creationId xmlns:a16="http://schemas.microsoft.com/office/drawing/2014/main" id="{D0BA3FA3-090C-CCFF-C2A0-3E908EB87CA8}"/>
+              </a:ext>
+            </a:extLst>
+          </p:cNvPr>
+          <p:cNvSpPr/>
+          <p:nvPr/>
+        </p:nvSpPr>
+        <p:spPr>
+          <a:xfrm>
+            <a:off x="6292742" y="4082339"/>
+            <a:ext cx="276906" cy="285750"/>
+          </a:xfrm>
+          <a:prstGeom prst="ellipse">
+            <a:avLst/>
+          </a:prstGeom>
+        </p:spPr>
+        <p:style>
+          <a:lnRef idx="2">
+            <a:schemeClr val="accent1">
+              <a:shade val="50000"/>
+            </a:schemeClr>
+          </a:lnRef>
+          <a:fillRef idx="1">
+            <a:schemeClr val="accent1"/>
+          </a:fillRef>
+          <a:effectRef idx="0">
+            <a:schemeClr val="accent1"/>
+          </a:effectRef>
+          <a:fontRef idx="minor">
+            <a:schemeClr val="lt1"/>
+          </a:fontRef>
+        </p:style>
+        <p:txBody>
+          <a:bodyPr rtlCol="0" anchor="ctr"/>
+          <a:lstStyle/>
+          <a:p>
+            <a:pPr algn="ctr"/>
+            <a:endParaRPr lang="en-AT"/>
+          </a:p>
+        </p:txBody>
+      </p:sp>
+      <p:sp>
+        <p:nvSpPr>
+          <p:cNvPr id="14" name="Oval 13">
+            <a:extLst>
+              <a:ext uri="{FF2B5EF4-FFF2-40B4-BE49-F238E27FC236}">
+                <a16:creationId xmlns:a16="http://schemas.microsoft.com/office/drawing/2014/main" id="{90377A09-6E31-3A87-1B48-079CBF558015}"/>
+              </a:ext>
+            </a:extLst>
+          </p:cNvPr>
+          <p:cNvSpPr/>
+          <p:nvPr/>
+        </p:nvSpPr>
+        <p:spPr>
+          <a:xfrm>
+            <a:off x="6049850" y="3904539"/>
+            <a:ext cx="276906" cy="285750"/>
+          </a:xfrm>
+          <a:prstGeom prst="ellipse">
+            <a:avLst/>
+          </a:prstGeom>
+        </p:spPr>
+        <p:style>
+          <a:lnRef idx="2">
+            <a:schemeClr val="accent1">
+              <a:shade val="50000"/>
+            </a:schemeClr>
+          </a:lnRef>
+          <a:fillRef idx="1">
+            <a:schemeClr val="accent1"/>
+          </a:fillRef>
+          <a:effectRef idx="0">
+            <a:schemeClr val="accent1"/>
+          </a:effectRef>
+          <a:fontRef idx="minor">
+            <a:schemeClr val="lt1"/>
+          </a:fontRef>
+        </p:style>
+        <p:txBody>
+          <a:bodyPr rtlCol="0" anchor="ctr"/>
+          <a:lstStyle/>
+          <a:p>
+            <a:pPr algn="ctr"/>
+            <a:endParaRPr lang="en-AT"/>
+          </a:p>
+        </p:txBody>
+      </p:sp>
+      <p:sp>
+        <p:nvSpPr>
+          <p:cNvPr id="15" name="Oval 14">
+            <a:extLst>
+              <a:ext uri="{FF2B5EF4-FFF2-40B4-BE49-F238E27FC236}">
+                <a16:creationId xmlns:a16="http://schemas.microsoft.com/office/drawing/2014/main" id="{B49074BD-5150-56CC-E41C-AC14BCA842BA}"/>
+              </a:ext>
+            </a:extLst>
+          </p:cNvPr>
+          <p:cNvSpPr/>
+          <p:nvPr/>
+        </p:nvSpPr>
+        <p:spPr>
+          <a:xfrm>
+            <a:off x="6569648" y="3925177"/>
+            <a:ext cx="276906" cy="285750"/>
+          </a:xfrm>
+          <a:prstGeom prst="ellipse">
+            <a:avLst/>
+          </a:prstGeom>
+        </p:spPr>
+        <p:style>
+          <a:lnRef idx="2">
+            <a:schemeClr val="accent1">
+              <a:shade val="50000"/>
+            </a:schemeClr>
+          </a:lnRef>
+          <a:fillRef idx="1">
+            <a:schemeClr val="accent1"/>
+          </a:fillRef>
+          <a:effectRef idx="0">
+            <a:schemeClr val="accent1"/>
+          </a:effectRef>
+          <a:fontRef idx="minor">
+            <a:schemeClr val="lt1"/>
+          </a:fontRef>
+        </p:style>
+        <p:txBody>
+          <a:bodyPr rtlCol="0" anchor="ctr"/>
+          <a:lstStyle/>
+          <a:p>
+            <a:pPr algn="ctr"/>
+            <a:endParaRPr lang="en-AT"/>
+          </a:p>
+        </p:txBody>
+      </p:sp>
+      <p:sp>
+        <p:nvSpPr>
+          <p:cNvPr id="16" name="Oval 15">
+            <a:extLst>
+              <a:ext uri="{FF2B5EF4-FFF2-40B4-BE49-F238E27FC236}">
+                <a16:creationId xmlns:a16="http://schemas.microsoft.com/office/drawing/2014/main" id="{1987144B-9A82-8979-B294-9DD813505C72}"/>
+              </a:ext>
+            </a:extLst>
+          </p:cNvPr>
+          <p:cNvSpPr/>
+          <p:nvPr/>
+        </p:nvSpPr>
+        <p:spPr>
+          <a:xfrm>
+            <a:off x="6950993" y="4140283"/>
+            <a:ext cx="276906" cy="285750"/>
+          </a:xfrm>
+          <a:prstGeom prst="ellipse">
+            <a:avLst/>
+          </a:prstGeom>
+        </p:spPr>
+        <p:style>
+          <a:lnRef idx="2">
+            <a:schemeClr val="accent1">
+              <a:shade val="50000"/>
+            </a:schemeClr>
+          </a:lnRef>
+          <a:fillRef idx="1">
+            <a:schemeClr val="accent1"/>
+          </a:fillRef>
+          <a:effectRef idx="0">
+            <a:schemeClr val="accent1"/>
+          </a:effectRef>
+          <a:fontRef idx="minor">
+            <a:schemeClr val="lt1"/>
+          </a:fontRef>
+        </p:style>
+        <p:txBody>
+          <a:bodyPr rtlCol="0" anchor="ctr"/>
+          <a:lstStyle/>
+          <a:p>
+            <a:pPr algn="ctr"/>
+            <a:endParaRPr lang="en-AT"/>
+          </a:p>
+        </p:txBody>
+      </p:sp>
+      <p:cxnSp>
+        <p:nvCxnSpPr>
+          <p:cNvPr id="17" name="Straight Connector 16">
+            <a:extLst>
+              <a:ext uri="{FF2B5EF4-FFF2-40B4-BE49-F238E27FC236}">
+                <a16:creationId xmlns:a16="http://schemas.microsoft.com/office/drawing/2014/main" id="{97C95237-5185-31E4-7476-A459B3C5B893}"/>
+              </a:ext>
+            </a:extLst>
+          </p:cNvPr>
+          <p:cNvCxnSpPr>
+            <a:cxnSpLocks/>
+          </p:cNvCxnSpPr>
+          <p:nvPr/>
+        </p:nvCxnSpPr>
+        <p:spPr>
+          <a:xfrm flipV="1">
+            <a:off x="1609103" y="2305056"/>
+            <a:ext cx="8798378" cy="3471430"/>
+          </a:xfrm>
+          <a:prstGeom prst="line">
+            <a:avLst/>
+          </a:prstGeom>
+          <a:ln w="50800">
+            <a:solidFill>
+              <a:schemeClr val="accent2"/>
+            </a:solidFill>
+          </a:ln>
+        </p:spPr>
+        <p:style>
+          <a:lnRef idx="1">
+            <a:schemeClr val="accent1"/>
+          </a:lnRef>
+          <a:fillRef idx="0">
+            <a:schemeClr val="accent1"/>
+          </a:fillRef>
+          <a:effectRef idx="0">
+            <a:schemeClr val="accent1"/>
+          </a:effectRef>
+          <a:fontRef idx="minor">
+            <a:schemeClr val="tx1"/>
+          </a:fontRef>
+        </p:style>
+      </p:cxnSp>
+      <p:cxnSp>
+        <p:nvCxnSpPr>
+          <p:cNvPr id="18" name="Straight Connector 17">
+            <a:extLst>
+              <a:ext uri="{FF2B5EF4-FFF2-40B4-BE49-F238E27FC236}">
+                <a16:creationId xmlns:a16="http://schemas.microsoft.com/office/drawing/2014/main" id="{76485130-ED34-D483-09FB-47AA414F0D16}"/>
+              </a:ext>
+            </a:extLst>
+          </p:cNvPr>
+          <p:cNvCxnSpPr>
+            <a:cxnSpLocks/>
+          </p:cNvCxnSpPr>
+          <p:nvPr/>
+        </p:nvCxnSpPr>
+        <p:spPr>
+          <a:xfrm flipV="1">
+            <a:off x="710330" y="3819631"/>
+            <a:ext cx="9124760" cy="699293"/>
+          </a:xfrm>
+          <a:prstGeom prst="line">
+            <a:avLst/>
+          </a:prstGeom>
+          <a:ln w="50800">
+            <a:solidFill>
+              <a:srgbClr val="00B050"/>
+            </a:solidFill>
+          </a:ln>
+        </p:spPr>
+        <p:style>
+          <a:lnRef idx="1">
+            <a:schemeClr val="accent1"/>
+          </a:lnRef>
+          <a:fillRef idx="0">
+            <a:schemeClr val="accent1"/>
+          </a:fillRef>
+          <a:effectRef idx="0">
+            <a:schemeClr val="accent1"/>
+          </a:effectRef>
+          <a:fontRef idx="minor">
+            <a:schemeClr val="tx1"/>
+          </a:fontRef>
+        </p:style>
+      </p:cxnSp>
+      <mc:AlternateContent xmlns:mc="http://schemas.openxmlformats.org/markup-compatibility/2006" xmlns:a14="http://schemas.microsoft.com/office/drawing/2010/main">
+        <mc:Choice Requires="a14">
+          <p:sp>
+            <p:nvSpPr>
+              <p:cNvPr id="19" name="TextBox 18">
+                <a:extLst>
+                  <a:ext uri="{FF2B5EF4-FFF2-40B4-BE49-F238E27FC236}">
+                    <a16:creationId xmlns:a16="http://schemas.microsoft.com/office/drawing/2014/main" id="{6320B4D6-DF31-DFCA-1F47-86A43D8BA082}"/>
+                  </a:ext>
+                </a:extLst>
+              </p:cNvPr>
+              <p:cNvSpPr txBox="1"/>
+              <p:nvPr/>
+            </p:nvSpPr>
+            <p:spPr>
+              <a:xfrm>
+                <a:off x="8553790" y="3904539"/>
+                <a:ext cx="2205550" cy="584775"/>
+              </a:xfrm>
+              <a:prstGeom prst="rect">
+                <a:avLst/>
+              </a:prstGeom>
+              <a:noFill/>
+            </p:spPr>
+            <p:txBody>
+              <a:bodyPr wrap="square" rtlCol="0">
+                <a:spAutoFit/>
+              </a:bodyPr>
+              <a:lstStyle/>
+              <a:p>
+                <a:pPr/>
+                <a14:m>
+                  <m:oMathPara xmlns:m="http://schemas.openxmlformats.org/officeDocument/2006/math">
+                    <m:oMathParaPr>
+                      <m:jc m:val="centerGroup"/>
+                    </m:oMathParaPr>
+                    <m:oMath xmlns:m="http://schemas.openxmlformats.org/officeDocument/2006/math">
+                      <m:acc>
+                        <m:accPr>
+                          <m:chr m:val="̂"/>
+                          <m:ctrlPr>
+                            <a:rPr lang="en-GB" sz="3200" i="1" smtClean="0">
+                              <a:solidFill>
+                                <a:srgbClr val="00B050"/>
+                              </a:solidFill>
+                              <a:latin typeface="Cambria Math" panose="02040503050406030204" pitchFamily="18" charset="0"/>
+                            </a:rPr>
+                          </m:ctrlPr>
+                        </m:accPr>
+                        <m:e>
+                          <m:r>
+                            <a:rPr lang="de-DE" sz="3200" b="0" i="1" smtClean="0">
+                              <a:solidFill>
+                                <a:srgbClr val="00B050"/>
+                              </a:solidFill>
+                              <a:latin typeface="Cambria Math" panose="02040503050406030204" pitchFamily="18" charset="0"/>
+                            </a:rPr>
+                            <m:t>𝑦</m:t>
+                          </m:r>
+                        </m:e>
+                      </m:acc>
+                      <m:r>
+                        <a:rPr lang="de-DE" sz="3200" b="0" i="1" smtClean="0">
+                          <a:solidFill>
+                            <a:srgbClr val="00B050"/>
+                          </a:solidFill>
+                          <a:latin typeface="Cambria Math" panose="02040503050406030204" pitchFamily="18" charset="0"/>
+                        </a:rPr>
+                        <m:t>=</m:t>
+                      </m:r>
+                      <m:sSup>
+                        <m:sSupPr>
+                          <m:ctrlPr>
+                            <a:rPr lang="de-DE" sz="3200" b="0" i="1" smtClean="0">
+                              <a:solidFill>
+                                <a:srgbClr val="00B050"/>
+                              </a:solidFill>
+                              <a:latin typeface="Cambria Math" panose="02040503050406030204" pitchFamily="18" charset="0"/>
+                            </a:rPr>
+                          </m:ctrlPr>
+                        </m:sSupPr>
+                        <m:e>
+                          <m:r>
+                            <a:rPr lang="de-DE" sz="3200" b="0" i="1" smtClean="0">
+                              <a:solidFill>
+                                <a:srgbClr val="00B050"/>
+                              </a:solidFill>
+                              <a:latin typeface="Cambria Math" panose="02040503050406030204" pitchFamily="18" charset="0"/>
+                            </a:rPr>
+                            <m:t>h</m:t>
+                          </m:r>
+                        </m:e>
+                        <m:sup>
+                          <m:r>
+                            <a:rPr lang="de-DE" sz="3200" b="0" i="1" smtClean="0">
+                              <a:solidFill>
+                                <a:srgbClr val="00B050"/>
+                              </a:solidFill>
+                              <a:latin typeface="Cambria Math" panose="02040503050406030204" pitchFamily="18" charset="0"/>
+                            </a:rPr>
+                            <m:t>′</m:t>
+                          </m:r>
+                        </m:sup>
+                      </m:sSup>
+                      <m:r>
+                        <a:rPr lang="de-DE" sz="3200" b="0" i="1" smtClean="0">
+                          <a:solidFill>
+                            <a:srgbClr val="00B050"/>
+                          </a:solidFill>
+                          <a:latin typeface="Cambria Math" panose="02040503050406030204" pitchFamily="18" charset="0"/>
+                        </a:rPr>
+                        <m:t>(</m:t>
+                      </m:r>
+                      <m:r>
+                        <a:rPr lang="de-DE" sz="3200" b="0" i="1" smtClean="0">
+                          <a:solidFill>
+                            <a:srgbClr val="00B050"/>
+                          </a:solidFill>
+                          <a:latin typeface="Cambria Math" panose="02040503050406030204" pitchFamily="18" charset="0"/>
+                        </a:rPr>
+                        <m:t>𝑥</m:t>
+                      </m:r>
+                      <m:r>
+                        <a:rPr lang="de-DE" sz="3200" b="0" i="1" smtClean="0">
+                          <a:solidFill>
+                            <a:srgbClr val="00B050"/>
+                          </a:solidFill>
+                          <a:latin typeface="Cambria Math" panose="02040503050406030204" pitchFamily="18" charset="0"/>
+                        </a:rPr>
+                        <m:t>)</m:t>
+                      </m:r>
+                    </m:oMath>
+                  </m:oMathPara>
+                </a14:m>
+                <a:endParaRPr lang="en-GB" sz="3200" dirty="0">
+                  <a:solidFill>
+                    <a:srgbClr val="00B050"/>
+                  </a:solidFill>
+                </a:endParaRPr>
+              </a:p>
+            </p:txBody>
+          </p:sp>
+        </mc:Choice>
+        <mc:Fallback xmlns="">
+          <p:sp>
+            <p:nvSpPr>
+              <p:cNvPr id="19" name="TextBox 18">
+                <a:extLst>
+                  <a:ext uri="{FF2B5EF4-FFF2-40B4-BE49-F238E27FC236}">
+                    <a16:creationId xmlns:a16="http://schemas.microsoft.com/office/drawing/2014/main" id="{6320B4D6-DF31-DFCA-1F47-86A43D8BA082}"/>
+                  </a:ext>
+                </a:extLst>
+              </p:cNvPr>
+              <p:cNvSpPr txBox="1">
+                <a:spLocks noRot="1" noChangeAspect="1" noMove="1" noResize="1" noEditPoints="1" noAdjustHandles="1" noChangeArrowheads="1" noChangeShapeType="1" noTextEdit="1"/>
+              </p:cNvSpPr>
+              <p:nvPr/>
+            </p:nvSpPr>
+            <p:spPr>
+              <a:xfrm>
+                <a:off x="8553790" y="3904539"/>
+                <a:ext cx="2205550" cy="584775"/>
+              </a:xfrm>
+              <a:prstGeom prst="rect">
+                <a:avLst/>
+              </a:prstGeom>
+              <a:blipFill>
+                <a:blip r:embed="rId3"/>
+                <a:stretch>
+                  <a:fillRect t="-10638" b="-21277"/>
+                </a:stretch>
+              </a:blipFill>
+            </p:spPr>
+            <p:txBody>
+              <a:bodyPr/>
+              <a:lstStyle/>
+              <a:p>
+                <a:r>
+                  <a:rPr lang="en-GB">
+                    <a:noFill/>
+                  </a:rPr>
+                  <a:t> </a:t>
+                </a:r>
+              </a:p>
+            </p:txBody>
+          </p:sp>
+        </mc:Fallback>
+      </mc:AlternateContent>
+      <p:cxnSp>
+        <p:nvCxnSpPr>
+          <p:cNvPr id="20" name="Straight Arrow Connector 19">
+            <a:extLst>
+              <a:ext uri="{FF2B5EF4-FFF2-40B4-BE49-F238E27FC236}">
+                <a16:creationId xmlns:a16="http://schemas.microsoft.com/office/drawing/2014/main" id="{712D73C0-42A3-3BFA-AE4C-C81C2E99F175}"/>
+              </a:ext>
+            </a:extLst>
+          </p:cNvPr>
+          <p:cNvCxnSpPr>
+            <a:cxnSpLocks/>
+            <a:stCxn id="11" idx="4"/>
+          </p:cNvCxnSpPr>
+          <p:nvPr/>
+        </p:nvCxnSpPr>
+        <p:spPr>
+          <a:xfrm>
+            <a:off x="2302444" y="2754395"/>
+            <a:ext cx="0" cy="2748182"/>
+          </a:xfrm>
+          <a:prstGeom prst="straightConnector1">
+            <a:avLst/>
+          </a:prstGeom>
+          <a:ln w="50800">
+            <a:solidFill>
+              <a:schemeClr val="tx1"/>
+            </a:solidFill>
+            <a:headEnd type="triangle" w="lg" len="lg"/>
+            <a:tailEnd type="triangle" w="lg" len="lg"/>
+          </a:ln>
+        </p:spPr>
+        <p:style>
+          <a:lnRef idx="1">
+            <a:schemeClr val="accent1"/>
+          </a:lnRef>
+          <a:fillRef idx="0">
+            <a:schemeClr val="accent1"/>
+          </a:fillRef>
+          <a:effectRef idx="0">
+            <a:schemeClr val="accent1"/>
+          </a:effectRef>
+          <a:fontRef idx="minor">
+            <a:schemeClr val="tx1"/>
+          </a:fontRef>
+        </p:style>
+      </p:cxnSp>
+      <p:sp>
+        <p:nvSpPr>
+          <p:cNvPr id="21" name="TextBox 20">
+            <a:extLst>
+              <a:ext uri="{FF2B5EF4-FFF2-40B4-BE49-F238E27FC236}">
+                <a16:creationId xmlns:a16="http://schemas.microsoft.com/office/drawing/2014/main" id="{50082A5F-3570-2B7C-BED6-154C527959F5}"/>
+              </a:ext>
+            </a:extLst>
+          </p:cNvPr>
+          <p:cNvSpPr txBox="1"/>
+          <p:nvPr/>
+        </p:nvSpPr>
+        <p:spPr>
+          <a:xfrm>
+            <a:off x="1451386" y="3483277"/>
+            <a:ext cx="1198614" cy="584775"/>
+          </a:xfrm>
+          <a:prstGeom prst="rect">
+            <a:avLst/>
+          </a:prstGeom>
+          <a:noFill/>
+        </p:spPr>
+        <p:txBody>
+          <a:bodyPr wrap="square">
+            <a:spAutoFit/>
+          </a:bodyPr>
+          <a:lstStyle/>
+          <a:p>
+            <a:r>
+              <a:rPr lang="de-DE" sz="3200" dirty="0" err="1"/>
+              <a:t>loss</a:t>
+            </a:r>
+            <a:endParaRPr lang="de-DE" sz="3200" dirty="0"/>
+          </a:p>
+        </p:txBody>
+      </p:sp>
+      <p:pic>
+        <p:nvPicPr>
+          <p:cNvPr id="22" name="Picture 21" descr="Text, letter&#10;&#10;Description automatically generated">
+            <a:extLst>
+              <a:ext uri="{FF2B5EF4-FFF2-40B4-BE49-F238E27FC236}">
+                <a16:creationId xmlns:a16="http://schemas.microsoft.com/office/drawing/2014/main" id="{D685CF09-0950-C75D-941B-677E1F50296A}"/>
+              </a:ext>
+            </a:extLst>
+          </p:cNvPr>
+          <p:cNvPicPr>
+            <a:picLocks noChangeAspect="1"/>
+          </p:cNvPicPr>
+          <p:nvPr/>
+        </p:nvPicPr>
+        <p:blipFill rotWithShape="1">
+          <a:blip r:embed="rId4" cstate="email">
+            <a:extLst>
+              <a:ext uri="{28A0092B-C50C-407E-A947-70E740481C1C}">
+                <a14:useLocalDpi xmlns:a14="http://schemas.microsoft.com/office/drawing/2010/main"/>
+              </a:ext>
+            </a:extLst>
+          </a:blip>
+          <a:srcRect/>
+          <a:stretch/>
+        </p:blipFill>
+        <p:spPr>
+          <a:xfrm>
+            <a:off x="2430446" y="3234269"/>
+            <a:ext cx="2462537" cy="692863"/>
+          </a:xfrm>
+          <a:prstGeom prst="rect">
+            <a:avLst/>
+          </a:prstGeom>
+        </p:spPr>
+      </p:pic>
+      <p:pic>
+        <p:nvPicPr>
+          <p:cNvPr id="23" name="Picture 22" descr="Text, letter&#10;&#10;Description automatically generated">
+            <a:extLst>
+              <a:ext uri="{FF2B5EF4-FFF2-40B4-BE49-F238E27FC236}">
+                <a16:creationId xmlns:a16="http://schemas.microsoft.com/office/drawing/2014/main" id="{4667CEA0-6152-6FC6-CECD-03B062C778C3}"/>
+              </a:ext>
+            </a:extLst>
+          </p:cNvPr>
+          <p:cNvPicPr>
+            <a:picLocks noChangeAspect="1"/>
+          </p:cNvPicPr>
+          <p:nvPr/>
+        </p:nvPicPr>
+        <p:blipFill rotWithShape="1">
+          <a:blip r:embed="rId5" cstate="email">
+            <a:extLst>
+              <a:ext uri="{28A0092B-C50C-407E-A947-70E740481C1C}">
+                <a14:useLocalDpi xmlns:a14="http://schemas.microsoft.com/office/drawing/2010/main"/>
+              </a:ext>
+            </a:extLst>
+          </a:blip>
+          <a:srcRect/>
+          <a:stretch/>
+        </p:blipFill>
+        <p:spPr>
+          <a:xfrm>
+            <a:off x="1710024" y="1764172"/>
+            <a:ext cx="1749453" cy="657069"/>
+          </a:xfrm>
+          <a:prstGeom prst="rect">
+            <a:avLst/>
+          </a:prstGeom>
+        </p:spPr>
+      </p:pic>
+      <p:sp>
+        <p:nvSpPr>
+          <p:cNvPr id="24" name="TextBox 23">
+            <a:extLst>
+              <a:ext uri="{FF2B5EF4-FFF2-40B4-BE49-F238E27FC236}">
+                <a16:creationId xmlns:a16="http://schemas.microsoft.com/office/drawing/2014/main" id="{64F22CAD-908B-800B-5BF5-01EB2B7B2F9D}"/>
+              </a:ext>
+            </a:extLst>
+          </p:cNvPr>
+          <p:cNvSpPr txBox="1"/>
+          <p:nvPr/>
+        </p:nvSpPr>
+        <p:spPr>
+          <a:xfrm>
+            <a:off x="9753920" y="2564824"/>
+            <a:ext cx="1985223" cy="584775"/>
+          </a:xfrm>
+          <a:prstGeom prst="rect">
+            <a:avLst/>
+          </a:prstGeom>
+          <a:noFill/>
+        </p:spPr>
+        <p:txBody>
+          <a:bodyPr wrap="none" rtlCol="0">
+            <a:spAutoFit/>
+          </a:bodyPr>
+          <a:lstStyle/>
+          <a:p>
+            <a:r>
+              <a:rPr lang="en-US" sz="3200" dirty="0"/>
+              <a:t>hypothesis</a:t>
+            </a:r>
+          </a:p>
+        </p:txBody>
+      </p:sp>
+    </p:spTree>
+    <p:extLst>
+      <p:ext uri="{BB962C8B-B14F-4D97-AF65-F5344CB8AC3E}">
+        <p14:creationId xmlns:p14="http://schemas.microsoft.com/office/powerpoint/2010/main" val="1706498615"/>
       </p:ext>
     </p:extLst>
   </p:cSld>
